--- a/Modul_07_TF_Backends/Backends.pptx
+++ b/Modul_07_TF_Backends/Backends.pptx
@@ -206,7 +206,7 @@
           <a:p>
             <a:fld id="{E9DAB8B5-B9A3-426D-91D9-D7966B0F2B79}" type="datetimeFigureOut">
               <a:rPr lang="de-DE" smtClean="0"/>
-              <a:t>14.11.2021</a:t>
+              <a:t>15.11.2021</a:t>
             </a:fld>
             <a:endParaRPr lang="de-DE"/>
           </a:p>
@@ -1549,7 +1549,7 @@
           <a:p>
             <a:fld id="{6CBA03CC-73C5-46A8-8DFB-B5DC4577D8E2}" type="datetimeFigureOut">
               <a:rPr lang="de-DE" smtClean="0"/>
-              <a:t>14.11.2021</a:t>
+              <a:t>15.11.2021</a:t>
             </a:fld>
             <a:endParaRPr lang="de-DE"/>
           </a:p>
@@ -1719,7 +1719,7 @@
           <a:p>
             <a:fld id="{6CBA03CC-73C5-46A8-8DFB-B5DC4577D8E2}" type="datetimeFigureOut">
               <a:rPr lang="de-DE" smtClean="0"/>
-              <a:t>14.11.2021</a:t>
+              <a:t>15.11.2021</a:t>
             </a:fld>
             <a:endParaRPr lang="de-DE"/>
           </a:p>
@@ -1899,7 +1899,7 @@
           <a:p>
             <a:fld id="{6CBA03CC-73C5-46A8-8DFB-B5DC4577D8E2}" type="datetimeFigureOut">
               <a:rPr lang="de-DE" smtClean="0"/>
-              <a:t>14.11.2021</a:t>
+              <a:t>15.11.2021</a:t>
             </a:fld>
             <a:endParaRPr lang="de-DE"/>
           </a:p>
@@ -2069,7 +2069,7 @@
           <a:p>
             <a:fld id="{6CBA03CC-73C5-46A8-8DFB-B5DC4577D8E2}" type="datetimeFigureOut">
               <a:rPr lang="de-DE" smtClean="0"/>
-              <a:t>14.11.2021</a:t>
+              <a:t>15.11.2021</a:t>
             </a:fld>
             <a:endParaRPr lang="de-DE"/>
           </a:p>
@@ -2315,7 +2315,7 @@
           <a:p>
             <a:fld id="{6CBA03CC-73C5-46A8-8DFB-B5DC4577D8E2}" type="datetimeFigureOut">
               <a:rPr lang="de-DE" smtClean="0"/>
-              <a:t>14.11.2021</a:t>
+              <a:t>15.11.2021</a:t>
             </a:fld>
             <a:endParaRPr lang="de-DE"/>
           </a:p>
@@ -2547,7 +2547,7 @@
           <a:p>
             <a:fld id="{6CBA03CC-73C5-46A8-8DFB-B5DC4577D8E2}" type="datetimeFigureOut">
               <a:rPr lang="de-DE" smtClean="0"/>
-              <a:t>14.11.2021</a:t>
+              <a:t>15.11.2021</a:t>
             </a:fld>
             <a:endParaRPr lang="de-DE"/>
           </a:p>
@@ -2914,7 +2914,7 @@
           <a:p>
             <a:fld id="{6CBA03CC-73C5-46A8-8DFB-B5DC4577D8E2}" type="datetimeFigureOut">
               <a:rPr lang="de-DE" smtClean="0"/>
-              <a:t>14.11.2021</a:t>
+              <a:t>15.11.2021</a:t>
             </a:fld>
             <a:endParaRPr lang="de-DE"/>
           </a:p>
@@ -3032,7 +3032,7 @@
           <a:p>
             <a:fld id="{6CBA03CC-73C5-46A8-8DFB-B5DC4577D8E2}" type="datetimeFigureOut">
               <a:rPr lang="de-DE" smtClean="0"/>
-              <a:t>14.11.2021</a:t>
+              <a:t>15.11.2021</a:t>
             </a:fld>
             <a:endParaRPr lang="de-DE"/>
           </a:p>
@@ -3127,7 +3127,7 @@
           <a:p>
             <a:fld id="{6CBA03CC-73C5-46A8-8DFB-B5DC4577D8E2}" type="datetimeFigureOut">
               <a:rPr lang="de-DE" smtClean="0"/>
-              <a:t>14.11.2021</a:t>
+              <a:t>15.11.2021</a:t>
             </a:fld>
             <a:endParaRPr lang="de-DE"/>
           </a:p>
@@ -3404,7 +3404,7 @@
           <a:p>
             <a:fld id="{6CBA03CC-73C5-46A8-8DFB-B5DC4577D8E2}" type="datetimeFigureOut">
               <a:rPr lang="de-DE" smtClean="0"/>
-              <a:t>14.11.2021</a:t>
+              <a:t>15.11.2021</a:t>
             </a:fld>
             <a:endParaRPr lang="de-DE"/>
           </a:p>
@@ -3657,7 +3657,7 @@
           <a:p>
             <a:fld id="{6CBA03CC-73C5-46A8-8DFB-B5DC4577D8E2}" type="datetimeFigureOut">
               <a:rPr lang="de-DE" smtClean="0"/>
-              <a:t>14.11.2021</a:t>
+              <a:t>15.11.2021</a:t>
             </a:fld>
             <a:endParaRPr lang="de-DE"/>
           </a:p>
@@ -3870,7 +3870,7 @@
           <a:p>
             <a:fld id="{6CBA03CC-73C5-46A8-8DFB-B5DC4577D8E2}" type="datetimeFigureOut">
               <a:rPr lang="de-DE" smtClean="0"/>
-              <a:t>14.11.2021</a:t>
+              <a:t>15.11.2021</a:t>
             </a:fld>
             <a:endParaRPr lang="de-DE"/>
           </a:p>
@@ -4604,8 +4604,8 @@
           </a:p>
         </p:txBody>
       </p:sp>
-      <mc:AlternateContent xmlns:mc="http://schemas.openxmlformats.org/markup-compatibility/2006">
-        <mc:Choice xmlns:a14="http://schemas.microsoft.com/office/drawing/2010/main" Requires="a14">
+      <mc:AlternateContent xmlns:mc="http://schemas.openxmlformats.org/markup-compatibility/2006" xmlns:a14="http://schemas.microsoft.com/office/drawing/2010/main">
+        <mc:Choice Requires="a14">
           <p:sp>
             <p:nvSpPr>
               <p:cNvPr id="8" name="Rectangle 1"/>
@@ -4733,7 +4733,7 @@
                             <a:lumMod val="75000"/>
                           </a:schemeClr>
                         </a:solidFill>
-                        <a:latin typeface="Consolas" panose="020B0609020204030204" pitchFamily="49" charset="0"/>
+                        <a:latin typeface="Cambria Math" panose="02040503050406030204" pitchFamily="18" charset="0"/>
                       </a:rPr>
                       <m:t>"</m:t>
                     </m:r>
@@ -4759,7 +4759,7 @@
                             <a:lumMod val="75000"/>
                           </a:schemeClr>
                         </a:solidFill>
-                        <a:latin typeface="Consolas" panose="020B0609020204030204" pitchFamily="49" charset="0"/>
+                        <a:latin typeface="Cambria Math" panose="02040503050406030204" pitchFamily="18" charset="0"/>
                       </a:rPr>
                       <m:t>"</m:t>
                     </m:r>
@@ -4777,7 +4777,7 @@
             </p:txBody>
           </p:sp>
         </mc:Choice>
-        <mc:Fallback>
+        <mc:Fallback xmlns="">
           <p:sp>
             <p:nvSpPr>
               <p:cNvPr id="8" name="Rectangle 1"/>
@@ -6338,7 +6338,7 @@
           <a:p>
             <a:r>
               <a:rPr lang="de-DE" dirty="0" smtClean="0"/>
-              <a:t>Ressourcen Import</a:t>
+              <a:t>Import von Ressourcen</a:t>
             </a:r>
             <a:endParaRPr lang="de-DE" dirty="0"/>
           </a:p>
@@ -6408,6 +6408,40 @@
               <a:rPr lang="de-DE" dirty="0" smtClean="0"/>
               <a:t>)</a:t>
             </a:r>
+          </a:p>
+          <a:p>
+            <a:pPr lvl="1"/>
+            <a:r>
+              <a:rPr lang="de-DE" dirty="0" smtClean="0"/>
+              <a:t>Einige Tools unterstützen Import inkl. Generierung der Konfiguration</a:t>
+            </a:r>
+          </a:p>
+          <a:p>
+            <a:pPr lvl="2"/>
+            <a:r>
+              <a:rPr lang="de-DE" dirty="0" smtClean="0"/>
+              <a:t>z.B</a:t>
+            </a:r>
+            <a:r>
+              <a:rPr lang="de-DE" dirty="0"/>
+              <a:t>. </a:t>
+            </a:r>
+            <a:r>
+              <a:rPr lang="de-DE" dirty="0">
+                <a:hlinkClick r:id="rId4"/>
+              </a:rPr>
+              <a:t>http://terraforming.dtan4.net</a:t>
+            </a:r>
+            <a:r>
+              <a:rPr lang="de-DE" dirty="0" smtClean="0">
+                <a:hlinkClick r:id="rId4"/>
+              </a:rPr>
+              <a:t>/</a:t>
+            </a:r>
+            <a:endParaRPr lang="de-DE" dirty="0" smtClean="0"/>
+          </a:p>
+          <a:p>
+            <a:pPr lvl="2"/>
             <a:endParaRPr lang="de-DE" dirty="0"/>
           </a:p>
         </p:txBody>
@@ -6422,7 +6456,7 @@
         </p:nvSpPr>
         <p:spPr bwMode="auto">
           <a:xfrm>
-            <a:off x="1101688" y="5431612"/>
+            <a:off x="1101688" y="5541679"/>
             <a:ext cx="9988624" cy="533447"/>
           </a:xfrm>
           <a:prstGeom prst="rect">
@@ -6470,18 +6504,7 @@
                 </a:solidFill>
                 <a:latin typeface="Consolas" panose="020B0609020204030204" pitchFamily="49" charset="0"/>
               </a:rPr>
-              <a:t>&gt;</a:t>
-            </a:r>
-            <a:r>
-              <a:rPr lang="de-DE" altLang="de-DE" sz="2800" dirty="0">
-                <a:solidFill>
-                  <a:schemeClr val="bg1">
-                    <a:lumMod val="75000"/>
-                  </a:schemeClr>
-                </a:solidFill>
-                <a:latin typeface="Consolas" panose="020B0609020204030204" pitchFamily="49" charset="0"/>
-              </a:rPr>
-              <a:t> </a:t>
+              <a:t>&gt; </a:t>
             </a:r>
             <a:r>
               <a:rPr lang="de-DE" altLang="de-DE" sz="2800" dirty="0" err="1">

--- a/Modul_07_TF_Backends/Backends.pptx
+++ b/Modul_07_TF_Backends/Backends.pptx
@@ -206,7 +206,7 @@
           <a:p>
             <a:fld id="{E9DAB8B5-B9A3-426D-91D9-D7966B0F2B79}" type="datetimeFigureOut">
               <a:rPr lang="de-DE" smtClean="0"/>
-              <a:t>15.11.2021</a:t>
+              <a:t>18.11.21</a:t>
             </a:fld>
             <a:endParaRPr lang="de-DE"/>
           </a:p>
@@ -270,38 +270,37 @@
           <a:p>
             <a:pPr lvl="0"/>
             <a:r>
-              <a:rPr lang="de-DE" smtClean="0"/>
+              <a:rPr lang="de-DE"/>
               <a:t>Textmasterformat bearbeiten</a:t>
             </a:r>
           </a:p>
           <a:p>
             <a:pPr lvl="1"/>
             <a:r>
-              <a:rPr lang="de-DE" smtClean="0"/>
+              <a:rPr lang="de-DE"/>
               <a:t>Zweite Ebene</a:t>
             </a:r>
           </a:p>
           <a:p>
             <a:pPr lvl="2"/>
             <a:r>
-              <a:rPr lang="de-DE" smtClean="0"/>
+              <a:rPr lang="de-DE"/>
               <a:t>Dritte Ebene</a:t>
             </a:r>
           </a:p>
           <a:p>
             <a:pPr lvl="3"/>
             <a:r>
-              <a:rPr lang="de-DE" smtClean="0"/>
+              <a:rPr lang="de-DE"/>
               <a:t>Vierte Ebene</a:t>
             </a:r>
           </a:p>
           <a:p>
             <a:pPr lvl="4"/>
             <a:r>
-              <a:rPr lang="de-DE" smtClean="0"/>
+              <a:rPr lang="de-DE"/>
               <a:t>Fünfte Ebene</a:t>
             </a:r>
-            <a:endParaRPr lang="de-DE"/>
           </a:p>
         </p:txBody>
       </p:sp>
@@ -855,31 +854,30 @@
           <a:lstStyle/>
           <a:p>
             <a:r>
-              <a:rPr lang="de-DE" dirty="0" smtClean="0"/>
+              <a:rPr lang="de-DE" dirty="0"/>
               <a:t>Simple Storage Service</a:t>
             </a:r>
             <a:r>
-              <a:rPr lang="de-DE" baseline="0" dirty="0" smtClean="0"/>
+              <a:rPr lang="de-DE" baseline="0" dirty="0"/>
               <a:t> (AWS)</a:t>
             </a:r>
-            <a:endParaRPr lang="de-DE" dirty="0" smtClean="0"/>
-          </a:p>
-          <a:p>
-            <a:r>
-              <a:rPr lang="de-DE" dirty="0" err="1" smtClean="0"/>
+            <a:endParaRPr lang="de-DE" dirty="0"/>
+          </a:p>
+          <a:p>
+            <a:r>
+              <a:rPr lang="de-DE" dirty="0" err="1"/>
               <a:t>Azure</a:t>
             </a:r>
             <a:r>
-              <a:rPr lang="de-DE" dirty="0" smtClean="0"/>
+              <a:rPr lang="de-DE" dirty="0"/>
               <a:t> Ressource Manager</a:t>
             </a:r>
           </a:p>
           <a:p>
             <a:r>
-              <a:rPr lang="de-DE" dirty="0" smtClean="0"/>
+              <a:rPr lang="de-DE" dirty="0"/>
               <a:t>Google Cloud Storage</a:t>
             </a:r>
-            <a:endParaRPr lang="de-DE" dirty="0"/>
           </a:p>
         </p:txBody>
       </p:sp>
@@ -964,57 +962,57 @@
           <a:lstStyle/>
           <a:p>
             <a:r>
-              <a:rPr lang="de-DE" dirty="0" smtClean="0"/>
+              <a:rPr lang="de-DE" dirty="0"/>
               <a:t>Simple Storage Service</a:t>
             </a:r>
             <a:r>
-              <a:rPr lang="de-DE" baseline="0" dirty="0" smtClean="0"/>
+              <a:rPr lang="de-DE" baseline="0" dirty="0"/>
               <a:t> (AWS)</a:t>
             </a:r>
-            <a:endParaRPr lang="de-DE" dirty="0" smtClean="0"/>
-          </a:p>
-          <a:p>
-            <a:r>
-              <a:rPr lang="de-DE" dirty="0" err="1" smtClean="0"/>
+            <a:endParaRPr lang="de-DE" dirty="0"/>
+          </a:p>
+          <a:p>
+            <a:r>
+              <a:rPr lang="de-DE" dirty="0" err="1"/>
               <a:t>Azure</a:t>
             </a:r>
             <a:r>
-              <a:rPr lang="de-DE" dirty="0" smtClean="0"/>
+              <a:rPr lang="de-DE" dirty="0"/>
               <a:t> Ressource Manager</a:t>
             </a:r>
           </a:p>
           <a:p>
             <a:r>
-              <a:rPr lang="de-DE" dirty="0" smtClean="0"/>
+              <a:rPr lang="de-DE" dirty="0"/>
               <a:t>Google Cloud Storage</a:t>
             </a:r>
           </a:p>
           <a:p>
-            <a:endParaRPr lang="de-DE" dirty="0" smtClean="0"/>
-          </a:p>
-          <a:p>
-            <a:r>
-              <a:rPr lang="de-DE" dirty="0" smtClean="0"/>
+            <a:endParaRPr lang="de-DE" dirty="0"/>
+          </a:p>
+          <a:p>
+            <a:r>
+              <a:rPr lang="de-DE" dirty="0"/>
               <a:t>Enterprise</a:t>
             </a:r>
             <a:r>
-              <a:rPr lang="de-DE" baseline="0" dirty="0" smtClean="0"/>
+              <a:rPr lang="de-DE" baseline="0" dirty="0"/>
               <a:t> = </a:t>
             </a:r>
             <a:r>
-              <a:rPr lang="de-DE" baseline="0" dirty="0" err="1" smtClean="0"/>
+              <a:rPr lang="de-DE" baseline="0" dirty="0" err="1"/>
               <a:t>Self</a:t>
             </a:r>
             <a:r>
-              <a:rPr lang="de-DE" baseline="0" dirty="0" smtClean="0"/>
+              <a:rPr lang="de-DE" baseline="0" dirty="0"/>
               <a:t> </a:t>
             </a:r>
             <a:r>
-              <a:rPr lang="de-DE" baseline="0" dirty="0" err="1" smtClean="0"/>
+              <a:rPr lang="de-DE" baseline="0" dirty="0" err="1"/>
               <a:t>hosted</a:t>
             </a:r>
             <a:r>
-              <a:rPr lang="de-DE" baseline="0" dirty="0" smtClean="0"/>
+              <a:rPr lang="de-DE" baseline="0" dirty="0"/>
               <a:t> TF Cloud</a:t>
             </a:r>
             <a:endParaRPr lang="de-DE" dirty="0"/>
@@ -1102,31 +1100,30 @@
           <a:lstStyle/>
           <a:p>
             <a:r>
-              <a:rPr lang="de-DE" dirty="0" smtClean="0"/>
+              <a:rPr lang="de-DE" dirty="0"/>
               <a:t>Simple Storage Service</a:t>
             </a:r>
             <a:r>
-              <a:rPr lang="de-DE" baseline="0" dirty="0" smtClean="0"/>
+              <a:rPr lang="de-DE" baseline="0" dirty="0"/>
               <a:t> (AWS)</a:t>
             </a:r>
-            <a:endParaRPr lang="de-DE" dirty="0" smtClean="0"/>
-          </a:p>
-          <a:p>
-            <a:r>
-              <a:rPr lang="de-DE" dirty="0" err="1" smtClean="0"/>
+            <a:endParaRPr lang="de-DE" dirty="0"/>
+          </a:p>
+          <a:p>
+            <a:r>
+              <a:rPr lang="de-DE" dirty="0" err="1"/>
               <a:t>Azure</a:t>
             </a:r>
             <a:r>
-              <a:rPr lang="de-DE" dirty="0" smtClean="0"/>
+              <a:rPr lang="de-DE" dirty="0"/>
               <a:t> Ressource Manager</a:t>
             </a:r>
           </a:p>
           <a:p>
             <a:r>
-              <a:rPr lang="de-DE" dirty="0" smtClean="0"/>
+              <a:rPr lang="de-DE" dirty="0"/>
               <a:t>Google Cloud Storage</a:t>
             </a:r>
-            <a:endParaRPr lang="de-DE" dirty="0"/>
           </a:p>
         </p:txBody>
       </p:sp>
@@ -1460,10 +1457,9 @@
           </a:lstStyle>
           <a:p>
             <a:r>
-              <a:rPr lang="de-DE" smtClean="0"/>
+              <a:rPr lang="de-DE"/>
               <a:t>Titelmasterformat durch Klicken bearbeiten</a:t>
             </a:r>
-            <a:endParaRPr lang="de-DE"/>
           </a:p>
         </p:txBody>
       </p:sp>
@@ -1525,10 +1521,9 @@
           </a:lstStyle>
           <a:p>
             <a:r>
-              <a:rPr lang="de-DE" smtClean="0"/>
+              <a:rPr lang="de-DE"/>
               <a:t>Formatvorlage des Untertitelmasters durch Klicken bearbeiten</a:t>
             </a:r>
-            <a:endParaRPr lang="de-DE"/>
           </a:p>
         </p:txBody>
       </p:sp>
@@ -1549,7 +1544,7 @@
           <a:p>
             <a:fld id="{6CBA03CC-73C5-46A8-8DFB-B5DC4577D8E2}" type="datetimeFigureOut">
               <a:rPr lang="de-DE" smtClean="0"/>
-              <a:t>15.11.2021</a:t>
+              <a:t>18.11.21</a:t>
             </a:fld>
             <a:endParaRPr lang="de-DE"/>
           </a:p>
@@ -1643,10 +1638,9 @@
           <a:lstStyle/>
           <a:p>
             <a:r>
-              <a:rPr lang="de-DE" smtClean="0"/>
+              <a:rPr lang="de-DE"/>
               <a:t>Titelmasterformat durch Klicken bearbeiten</a:t>
             </a:r>
-            <a:endParaRPr lang="de-DE"/>
           </a:p>
         </p:txBody>
       </p:sp>
@@ -1667,38 +1661,37 @@
           <a:p>
             <a:pPr lvl="0"/>
             <a:r>
-              <a:rPr lang="de-DE" smtClean="0"/>
+              <a:rPr lang="de-DE"/>
               <a:t>Textmasterformat bearbeiten</a:t>
             </a:r>
           </a:p>
           <a:p>
             <a:pPr lvl="1"/>
             <a:r>
-              <a:rPr lang="de-DE" smtClean="0"/>
+              <a:rPr lang="de-DE"/>
               <a:t>Zweite Ebene</a:t>
             </a:r>
           </a:p>
           <a:p>
             <a:pPr lvl="2"/>
             <a:r>
-              <a:rPr lang="de-DE" smtClean="0"/>
+              <a:rPr lang="de-DE"/>
               <a:t>Dritte Ebene</a:t>
             </a:r>
           </a:p>
           <a:p>
             <a:pPr lvl="3"/>
             <a:r>
-              <a:rPr lang="de-DE" smtClean="0"/>
+              <a:rPr lang="de-DE"/>
               <a:t>Vierte Ebene</a:t>
             </a:r>
           </a:p>
           <a:p>
             <a:pPr lvl="4"/>
             <a:r>
-              <a:rPr lang="de-DE" smtClean="0"/>
+              <a:rPr lang="de-DE"/>
               <a:t>Fünfte Ebene</a:t>
             </a:r>
-            <a:endParaRPr lang="de-DE"/>
           </a:p>
         </p:txBody>
       </p:sp>
@@ -1719,7 +1712,7 @@
           <a:p>
             <a:fld id="{6CBA03CC-73C5-46A8-8DFB-B5DC4577D8E2}" type="datetimeFigureOut">
               <a:rPr lang="de-DE" smtClean="0"/>
-              <a:t>15.11.2021</a:t>
+              <a:t>18.11.21</a:t>
             </a:fld>
             <a:endParaRPr lang="de-DE"/>
           </a:p>
@@ -1818,10 +1811,9 @@
           <a:lstStyle/>
           <a:p>
             <a:r>
-              <a:rPr lang="de-DE" smtClean="0"/>
+              <a:rPr lang="de-DE"/>
               <a:t>Titelmasterformat durch Klicken bearbeiten</a:t>
             </a:r>
-            <a:endParaRPr lang="de-DE"/>
           </a:p>
         </p:txBody>
       </p:sp>
@@ -1847,38 +1839,37 @@
           <a:p>
             <a:pPr lvl="0"/>
             <a:r>
-              <a:rPr lang="de-DE" smtClean="0"/>
+              <a:rPr lang="de-DE"/>
               <a:t>Textmasterformat bearbeiten</a:t>
             </a:r>
           </a:p>
           <a:p>
             <a:pPr lvl="1"/>
             <a:r>
-              <a:rPr lang="de-DE" smtClean="0"/>
+              <a:rPr lang="de-DE"/>
               <a:t>Zweite Ebene</a:t>
             </a:r>
           </a:p>
           <a:p>
             <a:pPr lvl="2"/>
             <a:r>
-              <a:rPr lang="de-DE" smtClean="0"/>
+              <a:rPr lang="de-DE"/>
               <a:t>Dritte Ebene</a:t>
             </a:r>
           </a:p>
           <a:p>
             <a:pPr lvl="3"/>
             <a:r>
-              <a:rPr lang="de-DE" smtClean="0"/>
+              <a:rPr lang="de-DE"/>
               <a:t>Vierte Ebene</a:t>
             </a:r>
           </a:p>
           <a:p>
             <a:pPr lvl="4"/>
             <a:r>
-              <a:rPr lang="de-DE" smtClean="0"/>
+              <a:rPr lang="de-DE"/>
               <a:t>Fünfte Ebene</a:t>
             </a:r>
-            <a:endParaRPr lang="de-DE"/>
           </a:p>
         </p:txBody>
       </p:sp>
@@ -1899,7 +1890,7 @@
           <a:p>
             <a:fld id="{6CBA03CC-73C5-46A8-8DFB-B5DC4577D8E2}" type="datetimeFigureOut">
               <a:rPr lang="de-DE" smtClean="0"/>
-              <a:t>15.11.2021</a:t>
+              <a:t>18.11.21</a:t>
             </a:fld>
             <a:endParaRPr lang="de-DE"/>
           </a:p>
@@ -1993,10 +1984,9 @@
           <a:lstStyle/>
           <a:p>
             <a:r>
-              <a:rPr lang="de-DE" smtClean="0"/>
+              <a:rPr lang="de-DE"/>
               <a:t>Titelmasterformat durch Klicken bearbeiten</a:t>
             </a:r>
-            <a:endParaRPr lang="de-DE"/>
           </a:p>
         </p:txBody>
       </p:sp>
@@ -2017,38 +2007,37 @@
           <a:p>
             <a:pPr lvl="0"/>
             <a:r>
-              <a:rPr lang="de-DE" smtClean="0"/>
+              <a:rPr lang="de-DE"/>
               <a:t>Textmasterformat bearbeiten</a:t>
             </a:r>
           </a:p>
           <a:p>
             <a:pPr lvl="1"/>
             <a:r>
-              <a:rPr lang="de-DE" smtClean="0"/>
+              <a:rPr lang="de-DE"/>
               <a:t>Zweite Ebene</a:t>
             </a:r>
           </a:p>
           <a:p>
             <a:pPr lvl="2"/>
             <a:r>
-              <a:rPr lang="de-DE" smtClean="0"/>
+              <a:rPr lang="de-DE"/>
               <a:t>Dritte Ebene</a:t>
             </a:r>
           </a:p>
           <a:p>
             <a:pPr lvl="3"/>
             <a:r>
-              <a:rPr lang="de-DE" smtClean="0"/>
+              <a:rPr lang="de-DE"/>
               <a:t>Vierte Ebene</a:t>
             </a:r>
           </a:p>
           <a:p>
             <a:pPr lvl="4"/>
             <a:r>
-              <a:rPr lang="de-DE" smtClean="0"/>
+              <a:rPr lang="de-DE"/>
               <a:t>Fünfte Ebene</a:t>
             </a:r>
-            <a:endParaRPr lang="de-DE"/>
           </a:p>
         </p:txBody>
       </p:sp>
@@ -2069,7 +2058,7 @@
           <a:p>
             <a:fld id="{6CBA03CC-73C5-46A8-8DFB-B5DC4577D8E2}" type="datetimeFigureOut">
               <a:rPr lang="de-DE" smtClean="0"/>
-              <a:t>15.11.2021</a:t>
+              <a:t>18.11.21</a:t>
             </a:fld>
             <a:endParaRPr lang="de-DE"/>
           </a:p>
@@ -2172,10 +2161,9 @@
           </a:lstStyle>
           <a:p>
             <a:r>
-              <a:rPr lang="de-DE" smtClean="0"/>
+              <a:rPr lang="de-DE"/>
               <a:t>Titelmasterformat durch Klicken bearbeiten</a:t>
             </a:r>
-            <a:endParaRPr lang="de-DE"/>
           </a:p>
         </p:txBody>
       </p:sp>
@@ -2292,7 +2280,7 @@
           <a:p>
             <a:pPr lvl="0"/>
             <a:r>
-              <a:rPr lang="de-DE" smtClean="0"/>
+              <a:rPr lang="de-DE"/>
               <a:t>Textmasterformat bearbeiten</a:t>
             </a:r>
           </a:p>
@@ -2315,7 +2303,7 @@
           <a:p>
             <a:fld id="{6CBA03CC-73C5-46A8-8DFB-B5DC4577D8E2}" type="datetimeFigureOut">
               <a:rPr lang="de-DE" smtClean="0"/>
-              <a:t>15.11.2021</a:t>
+              <a:t>18.11.21</a:t>
             </a:fld>
             <a:endParaRPr lang="de-DE"/>
           </a:p>
@@ -2409,10 +2397,9 @@
           <a:lstStyle/>
           <a:p>
             <a:r>
-              <a:rPr lang="de-DE" smtClean="0"/>
+              <a:rPr lang="de-DE"/>
               <a:t>Titelmasterformat durch Klicken bearbeiten</a:t>
             </a:r>
-            <a:endParaRPr lang="de-DE"/>
           </a:p>
         </p:txBody>
       </p:sp>
@@ -2438,38 +2425,37 @@
           <a:p>
             <a:pPr lvl="0"/>
             <a:r>
-              <a:rPr lang="de-DE" smtClean="0"/>
+              <a:rPr lang="de-DE"/>
               <a:t>Textmasterformat bearbeiten</a:t>
             </a:r>
           </a:p>
           <a:p>
             <a:pPr lvl="1"/>
             <a:r>
-              <a:rPr lang="de-DE" smtClean="0"/>
+              <a:rPr lang="de-DE"/>
               <a:t>Zweite Ebene</a:t>
             </a:r>
           </a:p>
           <a:p>
             <a:pPr lvl="2"/>
             <a:r>
-              <a:rPr lang="de-DE" smtClean="0"/>
+              <a:rPr lang="de-DE"/>
               <a:t>Dritte Ebene</a:t>
             </a:r>
           </a:p>
           <a:p>
             <a:pPr lvl="3"/>
             <a:r>
-              <a:rPr lang="de-DE" smtClean="0"/>
+              <a:rPr lang="de-DE"/>
               <a:t>Vierte Ebene</a:t>
             </a:r>
           </a:p>
           <a:p>
             <a:pPr lvl="4"/>
             <a:r>
-              <a:rPr lang="de-DE" smtClean="0"/>
+              <a:rPr lang="de-DE"/>
               <a:t>Fünfte Ebene</a:t>
             </a:r>
-            <a:endParaRPr lang="de-DE"/>
           </a:p>
         </p:txBody>
       </p:sp>
@@ -2495,38 +2481,37 @@
           <a:p>
             <a:pPr lvl="0"/>
             <a:r>
-              <a:rPr lang="de-DE" smtClean="0"/>
+              <a:rPr lang="de-DE"/>
               <a:t>Textmasterformat bearbeiten</a:t>
             </a:r>
           </a:p>
           <a:p>
             <a:pPr lvl="1"/>
             <a:r>
-              <a:rPr lang="de-DE" smtClean="0"/>
+              <a:rPr lang="de-DE"/>
               <a:t>Zweite Ebene</a:t>
             </a:r>
           </a:p>
           <a:p>
             <a:pPr lvl="2"/>
             <a:r>
-              <a:rPr lang="de-DE" smtClean="0"/>
+              <a:rPr lang="de-DE"/>
               <a:t>Dritte Ebene</a:t>
             </a:r>
           </a:p>
           <a:p>
             <a:pPr lvl="3"/>
             <a:r>
-              <a:rPr lang="de-DE" smtClean="0"/>
+              <a:rPr lang="de-DE"/>
               <a:t>Vierte Ebene</a:t>
             </a:r>
           </a:p>
           <a:p>
             <a:pPr lvl="4"/>
             <a:r>
-              <a:rPr lang="de-DE" smtClean="0"/>
+              <a:rPr lang="de-DE"/>
               <a:t>Fünfte Ebene</a:t>
             </a:r>
-            <a:endParaRPr lang="de-DE"/>
           </a:p>
         </p:txBody>
       </p:sp>
@@ -2547,7 +2532,7 @@
           <a:p>
             <a:fld id="{6CBA03CC-73C5-46A8-8DFB-B5DC4577D8E2}" type="datetimeFigureOut">
               <a:rPr lang="de-DE" smtClean="0"/>
-              <a:t>15.11.2021</a:t>
+              <a:t>18.11.21</a:t>
             </a:fld>
             <a:endParaRPr lang="de-DE"/>
           </a:p>
@@ -2646,10 +2631,9 @@
           <a:lstStyle/>
           <a:p>
             <a:r>
-              <a:rPr lang="de-DE" smtClean="0"/>
+              <a:rPr lang="de-DE"/>
               <a:t>Titelmasterformat durch Klicken bearbeiten</a:t>
             </a:r>
-            <a:endParaRPr lang="de-DE"/>
           </a:p>
         </p:txBody>
       </p:sp>
@@ -2712,7 +2696,7 @@
           <a:p>
             <a:pPr lvl="0"/>
             <a:r>
-              <a:rPr lang="de-DE" smtClean="0"/>
+              <a:rPr lang="de-DE"/>
               <a:t>Textmasterformat bearbeiten</a:t>
             </a:r>
           </a:p>
@@ -2740,38 +2724,37 @@
           <a:p>
             <a:pPr lvl="0"/>
             <a:r>
-              <a:rPr lang="de-DE" smtClean="0"/>
+              <a:rPr lang="de-DE"/>
               <a:t>Textmasterformat bearbeiten</a:t>
             </a:r>
           </a:p>
           <a:p>
             <a:pPr lvl="1"/>
             <a:r>
-              <a:rPr lang="de-DE" smtClean="0"/>
+              <a:rPr lang="de-DE"/>
               <a:t>Zweite Ebene</a:t>
             </a:r>
           </a:p>
           <a:p>
             <a:pPr lvl="2"/>
             <a:r>
-              <a:rPr lang="de-DE" smtClean="0"/>
+              <a:rPr lang="de-DE"/>
               <a:t>Dritte Ebene</a:t>
             </a:r>
           </a:p>
           <a:p>
             <a:pPr lvl="3"/>
             <a:r>
-              <a:rPr lang="de-DE" smtClean="0"/>
+              <a:rPr lang="de-DE"/>
               <a:t>Vierte Ebene</a:t>
             </a:r>
           </a:p>
           <a:p>
             <a:pPr lvl="4"/>
             <a:r>
-              <a:rPr lang="de-DE" smtClean="0"/>
+              <a:rPr lang="de-DE"/>
               <a:t>Fünfte Ebene</a:t>
             </a:r>
-            <a:endParaRPr lang="de-DE"/>
           </a:p>
         </p:txBody>
       </p:sp>
@@ -2834,7 +2817,7 @@
           <a:p>
             <a:pPr lvl="0"/>
             <a:r>
-              <a:rPr lang="de-DE" smtClean="0"/>
+              <a:rPr lang="de-DE"/>
               <a:t>Textmasterformat bearbeiten</a:t>
             </a:r>
           </a:p>
@@ -2862,38 +2845,37 @@
           <a:p>
             <a:pPr lvl="0"/>
             <a:r>
-              <a:rPr lang="de-DE" smtClean="0"/>
+              <a:rPr lang="de-DE"/>
               <a:t>Textmasterformat bearbeiten</a:t>
             </a:r>
           </a:p>
           <a:p>
             <a:pPr lvl="1"/>
             <a:r>
-              <a:rPr lang="de-DE" smtClean="0"/>
+              <a:rPr lang="de-DE"/>
               <a:t>Zweite Ebene</a:t>
             </a:r>
           </a:p>
           <a:p>
             <a:pPr lvl="2"/>
             <a:r>
-              <a:rPr lang="de-DE" smtClean="0"/>
+              <a:rPr lang="de-DE"/>
               <a:t>Dritte Ebene</a:t>
             </a:r>
           </a:p>
           <a:p>
             <a:pPr lvl="3"/>
             <a:r>
-              <a:rPr lang="de-DE" smtClean="0"/>
+              <a:rPr lang="de-DE"/>
               <a:t>Vierte Ebene</a:t>
             </a:r>
           </a:p>
           <a:p>
             <a:pPr lvl="4"/>
             <a:r>
-              <a:rPr lang="de-DE" smtClean="0"/>
+              <a:rPr lang="de-DE"/>
               <a:t>Fünfte Ebene</a:t>
             </a:r>
-            <a:endParaRPr lang="de-DE"/>
           </a:p>
         </p:txBody>
       </p:sp>
@@ -2914,7 +2896,7 @@
           <a:p>
             <a:fld id="{6CBA03CC-73C5-46A8-8DFB-B5DC4577D8E2}" type="datetimeFigureOut">
               <a:rPr lang="de-DE" smtClean="0"/>
-              <a:t>15.11.2021</a:t>
+              <a:t>18.11.21</a:t>
             </a:fld>
             <a:endParaRPr lang="de-DE"/>
           </a:p>
@@ -3008,10 +2990,9 @@
           <a:lstStyle/>
           <a:p>
             <a:r>
-              <a:rPr lang="de-DE" smtClean="0"/>
+              <a:rPr lang="de-DE"/>
               <a:t>Titelmasterformat durch Klicken bearbeiten</a:t>
             </a:r>
-            <a:endParaRPr lang="de-DE"/>
           </a:p>
         </p:txBody>
       </p:sp>
@@ -3032,7 +3013,7 @@
           <a:p>
             <a:fld id="{6CBA03CC-73C5-46A8-8DFB-B5DC4577D8E2}" type="datetimeFigureOut">
               <a:rPr lang="de-DE" smtClean="0"/>
-              <a:t>15.11.2021</a:t>
+              <a:t>18.11.21</a:t>
             </a:fld>
             <a:endParaRPr lang="de-DE"/>
           </a:p>
@@ -3127,7 +3108,7 @@
           <a:p>
             <a:fld id="{6CBA03CC-73C5-46A8-8DFB-B5DC4577D8E2}" type="datetimeFigureOut">
               <a:rPr lang="de-DE" smtClean="0"/>
-              <a:t>15.11.2021</a:t>
+              <a:t>18.11.21</a:t>
             </a:fld>
             <a:endParaRPr lang="de-DE"/>
           </a:p>
@@ -3230,10 +3211,9 @@
           </a:lstStyle>
           <a:p>
             <a:r>
-              <a:rPr lang="de-DE" smtClean="0"/>
+              <a:rPr lang="de-DE"/>
               <a:t>Titelmasterformat durch Klicken bearbeiten</a:t>
             </a:r>
-            <a:endParaRPr lang="de-DE"/>
           </a:p>
         </p:txBody>
       </p:sp>
@@ -3287,38 +3267,37 @@
           <a:p>
             <a:pPr lvl="0"/>
             <a:r>
-              <a:rPr lang="de-DE" smtClean="0"/>
+              <a:rPr lang="de-DE"/>
               <a:t>Textmasterformat bearbeiten</a:t>
             </a:r>
           </a:p>
           <a:p>
             <a:pPr lvl="1"/>
             <a:r>
-              <a:rPr lang="de-DE" smtClean="0"/>
+              <a:rPr lang="de-DE"/>
               <a:t>Zweite Ebene</a:t>
             </a:r>
           </a:p>
           <a:p>
             <a:pPr lvl="2"/>
             <a:r>
-              <a:rPr lang="de-DE" smtClean="0"/>
+              <a:rPr lang="de-DE"/>
               <a:t>Dritte Ebene</a:t>
             </a:r>
           </a:p>
           <a:p>
             <a:pPr lvl="3"/>
             <a:r>
-              <a:rPr lang="de-DE" smtClean="0"/>
+              <a:rPr lang="de-DE"/>
               <a:t>Vierte Ebene</a:t>
             </a:r>
           </a:p>
           <a:p>
             <a:pPr lvl="4"/>
             <a:r>
-              <a:rPr lang="de-DE" smtClean="0"/>
+              <a:rPr lang="de-DE"/>
               <a:t>Fünfte Ebene</a:t>
             </a:r>
-            <a:endParaRPr lang="de-DE"/>
           </a:p>
         </p:txBody>
       </p:sp>
@@ -3381,7 +3360,7 @@
           <a:p>
             <a:pPr lvl="0"/>
             <a:r>
-              <a:rPr lang="de-DE" smtClean="0"/>
+              <a:rPr lang="de-DE"/>
               <a:t>Textmasterformat bearbeiten</a:t>
             </a:r>
           </a:p>
@@ -3404,7 +3383,7 @@
           <a:p>
             <a:fld id="{6CBA03CC-73C5-46A8-8DFB-B5DC4577D8E2}" type="datetimeFigureOut">
               <a:rPr lang="de-DE" smtClean="0"/>
-              <a:t>15.11.2021</a:t>
+              <a:t>18.11.21</a:t>
             </a:fld>
             <a:endParaRPr lang="de-DE"/>
           </a:p>
@@ -3507,10 +3486,9 @@
           </a:lstStyle>
           <a:p>
             <a:r>
-              <a:rPr lang="de-DE" smtClean="0"/>
+              <a:rPr lang="de-DE"/>
               <a:t>Titelmasterformat durch Klicken bearbeiten</a:t>
             </a:r>
-            <a:endParaRPr lang="de-DE"/>
           </a:p>
         </p:txBody>
       </p:sp>
@@ -3634,7 +3612,7 @@
           <a:p>
             <a:pPr lvl="0"/>
             <a:r>
-              <a:rPr lang="de-DE" smtClean="0"/>
+              <a:rPr lang="de-DE"/>
               <a:t>Textmasterformat bearbeiten</a:t>
             </a:r>
           </a:p>
@@ -3657,7 +3635,7 @@
           <a:p>
             <a:fld id="{6CBA03CC-73C5-46A8-8DFB-B5DC4577D8E2}" type="datetimeFigureOut">
               <a:rPr lang="de-DE" smtClean="0"/>
-              <a:t>15.11.2021</a:t>
+              <a:t>18.11.21</a:t>
             </a:fld>
             <a:endParaRPr lang="de-DE"/>
           </a:p>
@@ -3766,10 +3744,9 @@
           <a:lstStyle/>
           <a:p>
             <a:r>
-              <a:rPr lang="de-DE" smtClean="0"/>
+              <a:rPr lang="de-DE"/>
               <a:t>Titelmasterformat durch Klicken bearbeiten</a:t>
             </a:r>
-            <a:endParaRPr lang="de-DE"/>
           </a:p>
         </p:txBody>
       </p:sp>
@@ -3800,38 +3777,37 @@
           <a:p>
             <a:pPr lvl="0"/>
             <a:r>
-              <a:rPr lang="de-DE" smtClean="0"/>
+              <a:rPr lang="de-DE"/>
               <a:t>Textmasterformat bearbeiten</a:t>
             </a:r>
           </a:p>
           <a:p>
             <a:pPr lvl="1"/>
             <a:r>
-              <a:rPr lang="de-DE" smtClean="0"/>
+              <a:rPr lang="de-DE"/>
               <a:t>Zweite Ebene</a:t>
             </a:r>
           </a:p>
           <a:p>
             <a:pPr lvl="2"/>
             <a:r>
-              <a:rPr lang="de-DE" smtClean="0"/>
+              <a:rPr lang="de-DE"/>
               <a:t>Dritte Ebene</a:t>
             </a:r>
           </a:p>
           <a:p>
             <a:pPr lvl="3"/>
             <a:r>
-              <a:rPr lang="de-DE" smtClean="0"/>
+              <a:rPr lang="de-DE"/>
               <a:t>Vierte Ebene</a:t>
             </a:r>
           </a:p>
           <a:p>
             <a:pPr lvl="4"/>
             <a:r>
-              <a:rPr lang="de-DE" smtClean="0"/>
+              <a:rPr lang="de-DE"/>
               <a:t>Fünfte Ebene</a:t>
             </a:r>
-            <a:endParaRPr lang="de-DE"/>
           </a:p>
         </p:txBody>
       </p:sp>
@@ -3870,7 +3846,7 @@
           <a:p>
             <a:fld id="{6CBA03CC-73C5-46A8-8DFB-B5DC4577D8E2}" type="datetimeFigureOut">
               <a:rPr lang="de-DE" smtClean="0"/>
-              <a:t>15.11.2021</a:t>
+              <a:t>18.11.21</a:t>
             </a:fld>
             <a:endParaRPr lang="de-DE"/>
           </a:p>
@@ -4291,83 +4267,82 @@
           <a:lstStyle/>
           <a:p>
             <a:r>
-              <a:rPr lang="de-DE" dirty="0" smtClean="0"/>
+              <a:rPr lang="de-DE" dirty="0"/>
               <a:t>Terraform State</a:t>
             </a:r>
+          </a:p>
+        </p:txBody>
+      </p:sp>
+      <p:sp>
+        <p:nvSpPr>
+          <p:cNvPr id="14" name="Inhaltsplatzhalter 13"/>
+          <p:cNvSpPr>
+            <a:spLocks noGrp="1"/>
+          </p:cNvSpPr>
+          <p:nvPr>
+            <p:ph idx="1"/>
+          </p:nvPr>
+        </p:nvSpPr>
+        <p:spPr/>
+        <p:txBody>
+          <a:bodyPr/>
+          <a:lstStyle/>
+          <a:p>
+            <a:r>
+              <a:rPr lang="de-DE" dirty="0"/>
+              <a:t>Das State-File wird von Terraform verwendet um reale Infrastrukturkomponenten auf die aktuelle Konfiguration zu </a:t>
+            </a:r>
+            <a:r>
+              <a:rPr lang="de-DE" dirty="0" err="1"/>
+              <a:t>mappen</a:t>
+            </a:r>
             <a:endParaRPr lang="de-DE" dirty="0"/>
           </a:p>
-        </p:txBody>
-      </p:sp>
-      <p:sp>
-        <p:nvSpPr>
-          <p:cNvPr id="14" name="Inhaltsplatzhalter 13"/>
-          <p:cNvSpPr>
-            <a:spLocks noGrp="1"/>
-          </p:cNvSpPr>
-          <p:nvPr>
-            <p:ph idx="1"/>
-          </p:nvPr>
-        </p:nvSpPr>
-        <p:spPr/>
-        <p:txBody>
-          <a:bodyPr/>
-          <a:lstStyle/>
-          <a:p>
-            <a:r>
-              <a:rPr lang="de-DE" dirty="0" smtClean="0"/>
-              <a:t>Das State-File wird von Terraform verwendet um reale Infrastrukturkomponenten auf die aktuelle Konfiguration zu </a:t>
-            </a:r>
-            <a:r>
-              <a:rPr lang="de-DE" dirty="0" err="1" smtClean="0"/>
-              <a:t>mappen</a:t>
-            </a:r>
-            <a:endParaRPr lang="de-DE" dirty="0" smtClean="0"/>
-          </a:p>
-          <a:p>
-            <a:r>
-              <a:rPr lang="de-DE" dirty="0" smtClean="0"/>
+          <a:p>
+            <a:r>
+              <a:rPr lang="de-DE" dirty="0"/>
               <a:t>State wird vor jedem </a:t>
             </a:r>
             <a:r>
-              <a:rPr lang="de-DE" i="1" dirty="0" err="1" smtClean="0"/>
+              <a:rPr lang="de-DE" i="1" dirty="0" err="1"/>
               <a:t>terraform</a:t>
             </a:r>
             <a:r>
-              <a:rPr lang="de-DE" i="1" dirty="0" smtClean="0"/>
+              <a:rPr lang="de-DE" i="1" dirty="0"/>
               <a:t> plan/</a:t>
             </a:r>
             <a:r>
-              <a:rPr lang="de-DE" i="1" dirty="0" err="1" smtClean="0"/>
+              <a:rPr lang="de-DE" i="1" dirty="0" err="1"/>
               <a:t>apply</a:t>
             </a:r>
             <a:r>
-              <a:rPr lang="de-DE" i="1" dirty="0" smtClean="0"/>
+              <a:rPr lang="de-DE" i="1" dirty="0"/>
               <a:t> </a:t>
             </a:r>
             <a:r>
-              <a:rPr lang="de-DE" dirty="0" smtClean="0"/>
+              <a:rPr lang="de-DE" dirty="0"/>
               <a:t>mit den realen Infrastrukturelementen abgeglichen</a:t>
             </a:r>
           </a:p>
           <a:p>
             <a:r>
-              <a:rPr lang="de-DE" dirty="0" smtClean="0"/>
+              <a:rPr lang="de-DE" dirty="0"/>
               <a:t>Änderungen am State werden beim </a:t>
             </a:r>
             <a:r>
-              <a:rPr lang="de-DE" i="1" dirty="0" err="1" smtClean="0"/>
+              <a:rPr lang="de-DE" i="1" dirty="0" err="1"/>
               <a:t>terraform</a:t>
             </a:r>
             <a:r>
-              <a:rPr lang="de-DE" i="1" dirty="0" smtClean="0"/>
+              <a:rPr lang="de-DE" i="1" dirty="0"/>
               <a:t> </a:t>
             </a:r>
             <a:r>
-              <a:rPr lang="de-DE" i="1" dirty="0" err="1" smtClean="0"/>
+              <a:rPr lang="de-DE" i="1" dirty="0" err="1"/>
               <a:t>apply</a:t>
             </a:r>
             <a:r>
-              <a:rPr lang="de-DE" dirty="0" smtClean="0"/>
+              <a:rPr lang="de-DE" dirty="0"/>
               <a:t> persistiert</a:t>
             </a:r>
           </a:p>
@@ -4401,8 +4376,8 @@
         </p:blipFill>
         <p:spPr>
           <a:xfrm>
-            <a:off x="2750844" y="4333300"/>
-            <a:ext cx="6690312" cy="1529867"/>
+            <a:off x="838200" y="4333300"/>
+            <a:ext cx="10515600" cy="2159575"/>
           </a:xfrm>
           <a:prstGeom prst="rect">
             <a:avLst/>
@@ -4422,7 +4397,7 @@
         </p:nvSpPr>
         <p:spPr>
           <a:xfrm>
-            <a:off x="2750844" y="5871146"/>
+            <a:off x="7193585" y="6492875"/>
             <a:ext cx="4495141" cy="253916"/>
           </a:xfrm>
           <a:prstGeom prst="rect">
@@ -4437,28 +4412,16 @@
           <a:lstStyle/>
           <a:p>
             <a:r>
-              <a:rPr lang="de-DE" sz="1050" dirty="0" smtClean="0"/>
+              <a:rPr lang="de-DE" sz="1050" dirty="0"/>
               <a:t>Quelle: </a:t>
-            </a:r>
-            <a:r>
-              <a:rPr lang="de-DE" sz="1050" dirty="0" smtClean="0">
-                <a:hlinkClick r:id="rId4"/>
-              </a:rPr>
-              <a:t>https</a:t>
             </a:r>
             <a:r>
               <a:rPr lang="de-DE" sz="1050" dirty="0">
                 <a:hlinkClick r:id="rId4"/>
               </a:rPr>
-              <a:t>://www.porscheinformatik.com/en/cloudformation-vs-terraform</a:t>
-            </a:r>
-            <a:r>
-              <a:rPr lang="de-DE" sz="1050" dirty="0" smtClean="0">
-                <a:hlinkClick r:id="rId4"/>
-              </a:rPr>
-              <a:t>/</a:t>
-            </a:r>
-            <a:endParaRPr lang="de-DE" sz="1050" dirty="0" smtClean="0"/>
+              <a:t>https://www.porscheinformatik.com/en/cloudformation-vs-terraform/</a:t>
+            </a:r>
+            <a:endParaRPr lang="de-DE" sz="1050" dirty="0"/>
           </a:p>
         </p:txBody>
       </p:sp>
@@ -4472,13 +4435,6 @@
   <p:clrMapOvr>
     <a:masterClrMapping/>
   </p:clrMapOvr>
-  <p:timing>
-    <p:tnLst>
-      <p:par>
-        <p:cTn id="1" dur="indefinite" restart="never" nodeType="tmRoot"/>
-      </p:par>
-    </p:tnLst>
-  </p:timing>
 </p:sld>
 </file>
 
@@ -4515,92 +4471,82 @@
           <a:lstStyle/>
           <a:p>
             <a:r>
-              <a:rPr lang="de-DE" dirty="0" smtClean="0"/>
+              <a:rPr lang="de-DE" dirty="0"/>
               <a:t>Ersetzen einer Ressource</a:t>
             </a:r>
+          </a:p>
+        </p:txBody>
+      </p:sp>
+      <p:sp>
+        <p:nvSpPr>
+          <p:cNvPr id="3" name="Inhaltsplatzhalter 2"/>
+          <p:cNvSpPr>
+            <a:spLocks noGrp="1"/>
+          </p:cNvSpPr>
+          <p:nvPr>
+            <p:ph idx="1"/>
+          </p:nvPr>
+        </p:nvSpPr>
+        <p:spPr/>
+        <p:txBody>
+          <a:bodyPr/>
+          <a:lstStyle/>
+          <a:p>
+            <a:r>
+              <a:rPr lang="de-DE" dirty="0"/>
+              <a:t>Ersetzen einer Ressource ohne dass die zugehörige Konfiguration angepasst wurde via </a:t>
+            </a:r>
+            <a:r>
+              <a:rPr lang="de-DE" i="1" dirty="0" err="1"/>
+              <a:t>terraform</a:t>
+            </a:r>
+            <a:r>
+              <a:rPr lang="de-DE" i="1" dirty="0"/>
+              <a:t> </a:t>
+            </a:r>
+            <a:r>
+              <a:rPr lang="de-DE" i="1" dirty="0" err="1"/>
+              <a:t>apply</a:t>
+            </a:r>
+            <a:r>
+              <a:rPr lang="de-DE" i="1" dirty="0"/>
+              <a:t> –</a:t>
+            </a:r>
+            <a:r>
+              <a:rPr lang="de-DE" i="1" dirty="0" err="1"/>
+              <a:t>replace</a:t>
+            </a:r>
             <a:endParaRPr lang="de-DE" dirty="0"/>
           </a:p>
-        </p:txBody>
-      </p:sp>
-      <p:sp>
-        <p:nvSpPr>
-          <p:cNvPr id="3" name="Inhaltsplatzhalter 2"/>
-          <p:cNvSpPr>
-            <a:spLocks noGrp="1"/>
-          </p:cNvSpPr>
-          <p:nvPr>
-            <p:ph idx="1"/>
-          </p:nvPr>
-        </p:nvSpPr>
-        <p:spPr/>
-        <p:txBody>
-          <a:bodyPr/>
-          <a:lstStyle/>
-          <a:p>
-            <a:r>
-              <a:rPr lang="de-DE" dirty="0" smtClean="0"/>
-              <a:t>Ersetzen einer Ressource ohne dass die zugehörige Konfiguration angepasst wurde via </a:t>
-            </a:r>
-            <a:r>
-              <a:rPr lang="de-DE" i="1" dirty="0" err="1" smtClean="0"/>
+          <a:p>
+            <a:r>
+              <a:rPr lang="de-DE" dirty="0"/>
+              <a:t>Nachfolger von </a:t>
+            </a:r>
+            <a:r>
+              <a:rPr lang="de-DE" i="1" dirty="0" err="1"/>
               <a:t>terraform</a:t>
             </a:r>
             <a:r>
-              <a:rPr lang="de-DE" i="1" dirty="0" smtClean="0"/>
+              <a:rPr lang="de-DE" i="1" dirty="0"/>
               <a:t> </a:t>
             </a:r>
             <a:r>
-              <a:rPr lang="de-DE" i="1" dirty="0" err="1" smtClean="0"/>
-              <a:t>apply</a:t>
-            </a:r>
-            <a:r>
-              <a:rPr lang="de-DE" i="1" dirty="0" smtClean="0"/>
-              <a:t> –</a:t>
-            </a:r>
-            <a:r>
-              <a:rPr lang="de-DE" i="1" dirty="0" err="1" smtClean="0"/>
-              <a:t>replace</a:t>
-            </a:r>
-            <a:endParaRPr lang="de-DE" dirty="0"/>
-          </a:p>
-          <a:p>
-            <a:r>
-              <a:rPr lang="de-DE" dirty="0" smtClean="0"/>
-              <a:t>Nachfolger von </a:t>
-            </a:r>
-            <a:r>
-              <a:rPr lang="de-DE" i="1" dirty="0" err="1" smtClean="0"/>
-              <a:t>terraform</a:t>
-            </a:r>
-            <a:r>
-              <a:rPr lang="de-DE" i="1" dirty="0" smtClean="0"/>
-              <a:t> </a:t>
-            </a:r>
-            <a:r>
-              <a:rPr lang="de-DE" i="1" dirty="0" err="1" smtClean="0"/>
+              <a:rPr lang="de-DE" i="1" dirty="0" err="1"/>
               <a:t>taint</a:t>
             </a:r>
-            <a:endParaRPr lang="de-DE" i="1" dirty="0" smtClean="0"/>
+            <a:endParaRPr lang="de-DE" i="1" dirty="0"/>
           </a:p>
           <a:p>
             <a:pPr lvl="1"/>
             <a:r>
-              <a:rPr lang="de-DE" dirty="0" err="1" smtClean="0"/>
+              <a:rPr lang="de-DE" dirty="0" err="1"/>
               <a:t>Deprecated</a:t>
             </a:r>
             <a:r>
-              <a:rPr lang="de-DE" dirty="0" smtClean="0"/>
-              <a:t> seit </a:t>
-            </a:r>
-            <a:r>
-              <a:rPr lang="de-DE" dirty="0"/>
-              <a:t>Terraform </a:t>
-            </a:r>
-            <a:r>
-              <a:rPr lang="de-DE" dirty="0" smtClean="0"/>
-              <a:t>v0.15.2 </a:t>
-            </a:r>
-            <a:endParaRPr lang="de-DE" dirty="0"/>
+              <a:rPr lang="de-DE" dirty="0"/>
+              <a:t> seit Terraform v0.15.2 </a:t>
+            </a:r>
           </a:p>
         </p:txBody>
       </p:sp>
@@ -4866,96 +4812,95 @@
           <a:lstStyle/>
           <a:p>
             <a:r>
-              <a:rPr lang="de-DE" dirty="0" smtClean="0"/>
+              <a:rPr lang="de-DE" dirty="0"/>
               <a:t>Lokaler Terraform State</a:t>
             </a:r>
+          </a:p>
+        </p:txBody>
+      </p:sp>
+      <p:sp>
+        <p:nvSpPr>
+          <p:cNvPr id="14" name="Inhaltsplatzhalter 13"/>
+          <p:cNvSpPr>
+            <a:spLocks noGrp="1"/>
+          </p:cNvSpPr>
+          <p:nvPr>
+            <p:ph idx="1"/>
+          </p:nvPr>
+        </p:nvSpPr>
+        <p:spPr/>
+        <p:txBody>
+          <a:bodyPr/>
+          <a:lstStyle/>
+          <a:p>
+            <a:r>
+              <a:rPr lang="de-DE" dirty="0"/>
+              <a:t>Terraform State wird per Default lokal im Root-Verzeichnis unter </a:t>
+            </a:r>
+            <a:r>
+              <a:rPr lang="de-DE" i="1" dirty="0" err="1"/>
+              <a:t>terraform.tfstate</a:t>
+            </a:r>
+            <a:r>
+              <a:rPr lang="de-DE" i="1" dirty="0"/>
+              <a:t> </a:t>
+            </a:r>
+            <a:r>
+              <a:rPr lang="de-DE" dirty="0"/>
+              <a:t>persistiert</a:t>
+            </a:r>
+          </a:p>
+          <a:p>
+            <a:r>
+              <a:rPr lang="de-DE" dirty="0"/>
+              <a:t>Sollte nur zu Testzwecken verwendet werden</a:t>
+            </a:r>
+          </a:p>
+          <a:p>
+            <a:r>
+              <a:rPr lang="de-DE" dirty="0"/>
+              <a:t>Eignet sich </a:t>
+            </a:r>
+            <a:r>
+              <a:rPr lang="de-DE" dirty="0">
+                <a:solidFill>
+                  <a:srgbClr val="FF0000"/>
+                </a:solidFill>
+              </a:rPr>
+              <a:t>nicht</a:t>
+            </a:r>
+            <a:r>
+              <a:rPr lang="de-DE" dirty="0"/>
+              <a:t> für </a:t>
+            </a:r>
+            <a:r>
+              <a:rPr lang="de-DE" dirty="0" err="1"/>
+              <a:t>kollaboratives</a:t>
+            </a:r>
+            <a:r>
+              <a:rPr lang="de-DE" dirty="0"/>
+              <a:t> Arbeiten</a:t>
+            </a:r>
+          </a:p>
+          <a:p>
+            <a:pPr lvl="1"/>
+            <a:r>
+              <a:rPr lang="de-DE" dirty="0"/>
+              <a:t>Alle Entwickler müssen mit dem gleichen State arbeiten, damit die Operationen auf den gleichen Infrastrukturkomponenten ausgeführt werden</a:t>
+            </a:r>
+          </a:p>
+          <a:p>
+            <a:r>
+              <a:rPr lang="de-DE" dirty="0" err="1"/>
+              <a:t>Local</a:t>
+            </a:r>
+            <a:r>
+              <a:rPr lang="de-DE" dirty="0"/>
+              <a:t> State sollte niemals in „echten“ Projekten eingesetzt werden</a:t>
+            </a:r>
+          </a:p>
+          <a:p>
             <a:endParaRPr lang="de-DE" dirty="0"/>
-          </a:p>
-        </p:txBody>
-      </p:sp>
-      <p:sp>
-        <p:nvSpPr>
-          <p:cNvPr id="14" name="Inhaltsplatzhalter 13"/>
-          <p:cNvSpPr>
-            <a:spLocks noGrp="1"/>
-          </p:cNvSpPr>
-          <p:nvPr>
-            <p:ph idx="1"/>
-          </p:nvPr>
-        </p:nvSpPr>
-        <p:spPr/>
-        <p:txBody>
-          <a:bodyPr/>
-          <a:lstStyle/>
-          <a:p>
-            <a:r>
-              <a:rPr lang="de-DE" dirty="0" smtClean="0"/>
-              <a:t>Terraform State wird per Default lokal </a:t>
-            </a:r>
-            <a:r>
-              <a:rPr lang="de-DE" dirty="0"/>
-              <a:t>im Root-Verzeichnis unter </a:t>
-            </a:r>
-            <a:r>
-              <a:rPr lang="de-DE" i="1" dirty="0" err="1" smtClean="0"/>
-              <a:t>terraform.tfstate</a:t>
-            </a:r>
-            <a:r>
-              <a:rPr lang="de-DE" i="1" dirty="0" smtClean="0"/>
-              <a:t> </a:t>
-            </a:r>
-            <a:r>
-              <a:rPr lang="de-DE" dirty="0" smtClean="0"/>
-              <a:t>persistiert</a:t>
-            </a:r>
-          </a:p>
-          <a:p>
-            <a:r>
-              <a:rPr lang="de-DE" dirty="0" smtClean="0"/>
-              <a:t>Sollte nur zu Testzwecken verwendet werden</a:t>
-            </a:r>
-          </a:p>
-          <a:p>
-            <a:r>
-              <a:rPr lang="de-DE" dirty="0" smtClean="0"/>
-              <a:t>Eignet sich nicht für </a:t>
-            </a:r>
-            <a:r>
-              <a:rPr lang="de-DE" dirty="0" err="1" smtClean="0"/>
-              <a:t>kollaboratives</a:t>
-            </a:r>
-            <a:r>
-              <a:rPr lang="de-DE" dirty="0" smtClean="0"/>
-              <a:t> Arbeiten</a:t>
-            </a:r>
-          </a:p>
-          <a:p>
-            <a:pPr lvl="1"/>
-            <a:r>
-              <a:rPr lang="de-DE" dirty="0" smtClean="0"/>
-              <a:t>Alle Entwickler müssen mit dem gleichen State arbeiten, damit die Operationen auf den gleichen </a:t>
-            </a:r>
-            <a:r>
-              <a:rPr lang="de-DE" dirty="0"/>
-              <a:t>Infrastrukturkomponenten </a:t>
-            </a:r>
-            <a:r>
-              <a:rPr lang="de-DE" dirty="0" smtClean="0"/>
-              <a:t>ausgeführt werden</a:t>
-            </a:r>
-          </a:p>
-          <a:p>
-            <a:r>
-              <a:rPr lang="de-DE" dirty="0" err="1" smtClean="0"/>
-              <a:t>Local</a:t>
-            </a:r>
-            <a:r>
-              <a:rPr lang="de-DE" dirty="0" smtClean="0"/>
-              <a:t> State sollte niemals in „echten“ Projekten eingesetzt werden</a:t>
-            </a:r>
-          </a:p>
-          <a:p>
-            <a:endParaRPr lang="de-DE" dirty="0" smtClean="0"/>
           </a:p>
         </p:txBody>
       </p:sp>
@@ -4969,13 +4914,6 @@
   <p:clrMapOvr>
     <a:masterClrMapping/>
   </p:clrMapOvr>
-  <p:timing>
-    <p:tnLst>
-      <p:par>
-        <p:cTn id="1" dur="indefinite" restart="never" nodeType="tmRoot"/>
-      </p:par>
-    </p:tnLst>
-  </p:timing>
 </p:sld>
 </file>
 
@@ -5012,10 +4950,9 @@
           <a:lstStyle/>
           <a:p>
             <a:r>
-              <a:rPr lang="de-DE" dirty="0" smtClean="0"/>
+              <a:rPr lang="de-DE" dirty="0"/>
               <a:t>Versionskontrolle</a:t>
             </a:r>
-            <a:endParaRPr lang="de-DE" dirty="0"/>
           </a:p>
         </p:txBody>
       </p:sp>
@@ -5038,11 +4975,11 @@
               <a:buNone/>
             </a:pPr>
             <a:r>
-              <a:rPr lang="de-DE" dirty="0" smtClean="0"/>
+              <a:rPr lang="de-DE" dirty="0"/>
               <a:t>Im Gegensatz zu der Terraform Konfiguration sollte der Terraform State </a:t>
             </a:r>
             <a:r>
-              <a:rPr lang="de-DE" b="1" dirty="0" smtClean="0">
+              <a:rPr lang="de-DE" b="1" dirty="0">
                 <a:solidFill>
                   <a:srgbClr val="FF0000"/>
                 </a:solidFill>
@@ -5050,7 +4987,7 @@
               <a:t>nicht</a:t>
             </a:r>
             <a:r>
-              <a:rPr lang="de-DE" dirty="0" smtClean="0">
+              <a:rPr lang="de-DE" dirty="0">
                 <a:solidFill>
                   <a:srgbClr val="FF0000"/>
                 </a:solidFill>
@@ -5058,79 +4995,79 @@
               <a:t> </a:t>
             </a:r>
             <a:r>
-              <a:rPr lang="de-DE" dirty="0" smtClean="0"/>
+              <a:rPr lang="de-DE" dirty="0"/>
               <a:t>in die Versionskontrolle eingecheckt werden</a:t>
             </a:r>
           </a:p>
           <a:p>
             <a:r>
-              <a:rPr lang="de-DE" dirty="0" smtClean="0"/>
+              <a:rPr lang="de-DE" dirty="0"/>
               <a:t>anfällig gegenüber manuellen Fehlern</a:t>
             </a:r>
           </a:p>
           <a:p>
             <a:pPr lvl="1"/>
             <a:r>
-              <a:rPr lang="de-DE" dirty="0" smtClean="0"/>
+              <a:rPr lang="de-DE" dirty="0"/>
               <a:t>Pull / Push muss vor nach jedem Ausführen erfolgen</a:t>
             </a:r>
           </a:p>
           <a:p>
             <a:r>
-              <a:rPr lang="de-DE" dirty="0" err="1" smtClean="0"/>
+              <a:rPr lang="de-DE" dirty="0" err="1"/>
               <a:t>Locking</a:t>
             </a:r>
             <a:r>
-              <a:rPr lang="de-DE" dirty="0" smtClean="0"/>
+              <a:rPr lang="de-DE" dirty="0"/>
               <a:t> des States wird meist nicht unterstützt</a:t>
             </a:r>
           </a:p>
           <a:p>
             <a:pPr lvl="1"/>
             <a:r>
-              <a:rPr lang="de-DE" dirty="0" smtClean="0"/>
+              <a:rPr lang="de-DE" dirty="0"/>
               <a:t>Verhindert das parallele Ausführen von </a:t>
             </a:r>
             <a:r>
-              <a:rPr lang="de-DE" i="1" dirty="0" err="1" smtClean="0"/>
+              <a:rPr lang="de-DE" i="1" dirty="0" err="1"/>
               <a:t>terraform</a:t>
             </a:r>
             <a:r>
-              <a:rPr lang="de-DE" i="1" dirty="0" smtClean="0"/>
+              <a:rPr lang="de-DE" i="1" dirty="0"/>
               <a:t> </a:t>
             </a:r>
             <a:r>
-              <a:rPr lang="de-DE" i="1" dirty="0" err="1" smtClean="0"/>
+              <a:rPr lang="de-DE" i="1" dirty="0" err="1"/>
               <a:t>apply</a:t>
             </a:r>
             <a:r>
-              <a:rPr lang="de-DE" dirty="0" smtClean="0"/>
+              <a:rPr lang="de-DE" dirty="0"/>
               <a:t> auf dem gleichen State-File</a:t>
             </a:r>
           </a:p>
           <a:p>
             <a:r>
-              <a:rPr lang="de-DE" dirty="0" err="1" smtClean="0"/>
+              <a:rPr lang="de-DE" dirty="0" err="1"/>
               <a:t>Secrets</a:t>
             </a:r>
-            <a:endParaRPr lang="de-DE" dirty="0" smtClean="0"/>
+            <a:endParaRPr lang="de-DE" dirty="0"/>
           </a:p>
           <a:p>
             <a:pPr lvl="1"/>
             <a:r>
-              <a:rPr lang="de-DE" dirty="0" smtClean="0"/>
+              <a:rPr lang="de-DE" dirty="0"/>
               <a:t>Sensible Daten werden im State im Klartext gespeichert</a:t>
             </a:r>
           </a:p>
           <a:p>
             <a:pPr lvl="1"/>
             <a:r>
-              <a:rPr lang="de-DE" dirty="0" smtClean="0"/>
+              <a:rPr lang="de-DE" dirty="0"/>
               <a:t>Das State-File selbst ist somit als Secret zu beachten</a:t>
             </a:r>
           </a:p>
           <a:p>
-            <a:endParaRPr lang="de-DE" dirty="0" smtClean="0"/>
+            <a:endParaRPr lang="de-DE" dirty="0"/>
           </a:p>
         </p:txBody>
       </p:sp>
@@ -5144,13 +5081,6 @@
   <p:clrMapOvr>
     <a:masterClrMapping/>
   </p:clrMapOvr>
-  <p:timing>
-    <p:tnLst>
-      <p:par>
-        <p:cTn id="1" dur="indefinite" restart="never" nodeType="tmRoot"/>
-      </p:par>
-    </p:tnLst>
-  </p:timing>
 </p:sld>
 </file>
 
@@ -5187,10 +5117,9 @@
           <a:lstStyle/>
           <a:p>
             <a:r>
-              <a:rPr lang="de-DE" dirty="0" smtClean="0"/>
+              <a:rPr lang="de-DE" dirty="0"/>
               <a:t>Verwaltung des State via Terraform Backend</a:t>
             </a:r>
-            <a:endParaRPr lang="de-DE" dirty="0"/>
           </a:p>
         </p:txBody>
       </p:sp>
@@ -5210,15 +5139,15 @@
           <a:lstStyle/>
           <a:p>
             <a:r>
-              <a:rPr lang="de-DE" dirty="0" smtClean="0"/>
+              <a:rPr lang="de-DE" dirty="0"/>
               <a:t>Via </a:t>
             </a:r>
             <a:r>
-              <a:rPr lang="de-DE" i="1" dirty="0" smtClean="0"/>
+              <a:rPr lang="de-DE" i="1" dirty="0"/>
               <a:t>backend </a:t>
             </a:r>
             <a:r>
-              <a:rPr lang="de-DE" dirty="0" smtClean="0"/>
+              <a:rPr lang="de-DE" dirty="0"/>
               <a:t>kann angegeben werden, wo der Terraform State verwaltet wird</a:t>
             </a:r>
           </a:p>
@@ -5272,7 +5201,7 @@
             </a:r>
           </a:p>
           <a:p>
-            <a:endParaRPr lang="de-DE" dirty="0" smtClean="0"/>
+            <a:endParaRPr lang="de-DE" dirty="0"/>
           </a:p>
         </p:txBody>
       </p:sp>
@@ -5347,7 +5276,7 @@
               <a:tabLst/>
             </a:pPr>
             <a:r>
-              <a:rPr kumimoji="0" lang="de-DE" altLang="de-DE" sz="2000" b="0" i="1" u="none" strike="noStrike" cap="none" normalizeH="0" baseline="0" dirty="0" err="1" smtClean="0">
+              <a:rPr kumimoji="0" lang="de-DE" altLang="de-DE" sz="2000" b="0" i="1" u="none" strike="noStrike" cap="none" normalizeH="0" baseline="0" dirty="0" err="1">
                 <a:ln>
                   <a:noFill/>
                 </a:ln>
@@ -5360,7 +5289,7 @@
               <a:t>terraform</a:t>
             </a:r>
             <a:r>
-              <a:rPr kumimoji="0" lang="de-DE" altLang="de-DE" sz="2000" b="0" i="1" u="none" strike="noStrike" cap="none" normalizeH="0" baseline="0" dirty="0" smtClean="0">
+              <a:rPr kumimoji="0" lang="de-DE" altLang="de-DE" sz="2000" b="0" i="1" u="none" strike="noStrike" cap="none" normalizeH="0" baseline="0" dirty="0">
                 <a:ln>
                   <a:noFill/>
                 </a:ln>
@@ -5373,7 +5302,7 @@
               <a:t> </a:t>
             </a:r>
             <a:r>
-              <a:rPr kumimoji="0" lang="de-DE" altLang="de-DE" sz="2000" b="0" i="0" u="none" strike="noStrike" cap="none" normalizeH="0" baseline="0" dirty="0" smtClean="0">
+              <a:rPr kumimoji="0" lang="de-DE" altLang="de-DE" sz="2000" b="0" i="0" u="none" strike="noStrike" cap="none" normalizeH="0" baseline="0" dirty="0">
                 <a:ln>
                   <a:noFill/>
                 </a:ln>
@@ -5386,7 +5315,7 @@
               <a:t>{</a:t>
             </a:r>
             <a:br>
-              <a:rPr kumimoji="0" lang="de-DE" altLang="de-DE" sz="2000" b="0" i="0" u="none" strike="noStrike" cap="none" normalizeH="0" baseline="0" dirty="0" smtClean="0">
+              <a:rPr kumimoji="0" lang="de-DE" altLang="de-DE" sz="2000" b="0" i="0" u="none" strike="noStrike" cap="none" normalizeH="0" baseline="0" dirty="0">
                 <a:ln>
                   <a:noFill/>
                 </a:ln>
@@ -5398,7 +5327,7 @@
               </a:rPr>
             </a:br>
             <a:r>
-              <a:rPr kumimoji="0" lang="de-DE" altLang="de-DE" sz="2000" b="0" i="0" u="none" strike="noStrike" cap="none" normalizeH="0" baseline="0" dirty="0" smtClean="0">
+              <a:rPr kumimoji="0" lang="de-DE" altLang="de-DE" sz="2000" b="0" i="0" u="none" strike="noStrike" cap="none" normalizeH="0" baseline="0" dirty="0">
                 <a:ln>
                   <a:noFill/>
                 </a:ln>
@@ -5411,7 +5340,7 @@
               <a:t>  </a:t>
             </a:r>
             <a:r>
-              <a:rPr kumimoji="0" lang="de-DE" altLang="de-DE" sz="2000" b="0" i="1" u="none" strike="noStrike" cap="none" normalizeH="0" baseline="0" dirty="0" smtClean="0">
+              <a:rPr kumimoji="0" lang="de-DE" altLang="de-DE" sz="2000" b="0" i="1" u="none" strike="noStrike" cap="none" normalizeH="0" baseline="0" dirty="0">
                 <a:ln>
                   <a:noFill/>
                 </a:ln>
@@ -5424,7 +5353,7 @@
               <a:t>backend </a:t>
             </a:r>
             <a:r>
-              <a:rPr kumimoji="0" lang="de-DE" altLang="de-DE" sz="2000" b="0" i="0" u="none" strike="noStrike" cap="none" normalizeH="0" baseline="0" dirty="0" smtClean="0">
+              <a:rPr kumimoji="0" lang="de-DE" altLang="de-DE" sz="2000" b="0" i="0" u="none" strike="noStrike" cap="none" normalizeH="0" baseline="0" dirty="0">
                 <a:ln>
                   <a:noFill/>
                 </a:ln>
@@ -5437,7 +5366,7 @@
               <a:t>"remote" </a:t>
             </a:r>
             <a:r>
-              <a:rPr kumimoji="0" lang="de-DE" altLang="de-DE" sz="2000" b="0" i="0" u="none" strike="noStrike" cap="none" normalizeH="0" baseline="0" dirty="0" smtClean="0">
+              <a:rPr kumimoji="0" lang="de-DE" altLang="de-DE" sz="2000" b="0" i="0" u="none" strike="noStrike" cap="none" normalizeH="0" baseline="0" dirty="0">
                 <a:ln>
                   <a:noFill/>
                 </a:ln>
@@ -5450,7 +5379,7 @@
               <a:t>{</a:t>
             </a:r>
             <a:br>
-              <a:rPr kumimoji="0" lang="de-DE" altLang="de-DE" sz="2000" b="0" i="0" u="none" strike="noStrike" cap="none" normalizeH="0" baseline="0" dirty="0" smtClean="0">
+              <a:rPr kumimoji="0" lang="de-DE" altLang="de-DE" sz="2000" b="0" i="0" u="none" strike="noStrike" cap="none" normalizeH="0" baseline="0" dirty="0">
                 <a:ln>
                   <a:noFill/>
                 </a:ln>
@@ -5462,7 +5391,7 @@
               </a:rPr>
             </a:br>
             <a:r>
-              <a:rPr kumimoji="0" lang="de-DE" altLang="de-DE" sz="2000" b="0" i="0" u="none" strike="noStrike" cap="none" normalizeH="0" baseline="0" dirty="0" smtClean="0">
+              <a:rPr kumimoji="0" lang="de-DE" altLang="de-DE" sz="2000" b="0" i="0" u="none" strike="noStrike" cap="none" normalizeH="0" baseline="0" dirty="0">
                 <a:ln>
                   <a:noFill/>
                 </a:ln>
@@ -5475,7 +5404,7 @@
               <a:t>    </a:t>
             </a:r>
             <a:r>
-              <a:rPr kumimoji="0" lang="de-DE" altLang="de-DE" sz="2000" b="0" i="0" u="none" strike="noStrike" cap="none" normalizeH="0" baseline="0" dirty="0" err="1" smtClean="0">
+              <a:rPr kumimoji="0" lang="de-DE" altLang="de-DE" sz="2000" b="0" i="0" u="none" strike="noStrike" cap="none" normalizeH="0" baseline="0" dirty="0" err="1">
                 <a:ln>
                   <a:noFill/>
                 </a:ln>
@@ -5488,7 +5417,7 @@
               <a:t>hostname</a:t>
             </a:r>
             <a:r>
-              <a:rPr kumimoji="0" lang="de-DE" altLang="de-DE" sz="2000" b="0" i="0" u="none" strike="noStrike" cap="none" normalizeH="0" baseline="0" dirty="0" smtClean="0">
+              <a:rPr kumimoji="0" lang="de-DE" altLang="de-DE" sz="2000" b="0" i="0" u="none" strike="noStrike" cap="none" normalizeH="0" baseline="0" dirty="0">
                 <a:ln>
                   <a:noFill/>
                 </a:ln>
@@ -5501,7 +5430,7 @@
               <a:t> </a:t>
             </a:r>
             <a:r>
-              <a:rPr kumimoji="0" lang="de-DE" altLang="de-DE" sz="2000" b="0" i="0" u="none" strike="noStrike" cap="none" normalizeH="0" baseline="0" dirty="0" smtClean="0">
+              <a:rPr kumimoji="0" lang="de-DE" altLang="de-DE" sz="2000" b="0" i="0" u="none" strike="noStrike" cap="none" normalizeH="0" baseline="0" dirty="0">
                 <a:ln>
                   <a:noFill/>
                 </a:ln>
@@ -5514,7 +5443,7 @@
               <a:t>= </a:t>
             </a:r>
             <a:r>
-              <a:rPr kumimoji="0" lang="de-DE" altLang="de-DE" sz="2000" b="0" i="0" u="none" strike="noStrike" cap="none" normalizeH="0" baseline="0" dirty="0" smtClean="0">
+              <a:rPr kumimoji="0" lang="de-DE" altLang="de-DE" sz="2000" b="0" i="0" u="none" strike="noStrike" cap="none" normalizeH="0" baseline="0" dirty="0">
                 <a:ln>
                   <a:noFill/>
                 </a:ln>
@@ -5527,7 +5456,7 @@
               <a:t>"app.terraform.io"</a:t>
             </a:r>
             <a:br>
-              <a:rPr kumimoji="0" lang="de-DE" altLang="de-DE" sz="2000" b="0" i="0" u="none" strike="noStrike" cap="none" normalizeH="0" baseline="0" dirty="0" smtClean="0">
+              <a:rPr kumimoji="0" lang="de-DE" altLang="de-DE" sz="2000" b="0" i="0" u="none" strike="noStrike" cap="none" normalizeH="0" baseline="0" dirty="0">
                 <a:ln>
                   <a:noFill/>
                 </a:ln>
@@ -5539,7 +5468,7 @@
               </a:rPr>
             </a:br>
             <a:r>
-              <a:rPr kumimoji="0" lang="de-DE" altLang="de-DE" sz="2000" b="0" i="0" u="none" strike="noStrike" cap="none" normalizeH="0" baseline="0" dirty="0" smtClean="0">
+              <a:rPr kumimoji="0" lang="de-DE" altLang="de-DE" sz="2000" b="0" i="0" u="none" strike="noStrike" cap="none" normalizeH="0" baseline="0" dirty="0">
                 <a:ln>
                   <a:noFill/>
                 </a:ln>
@@ -5552,7 +5481,7 @@
               <a:t>    </a:t>
             </a:r>
             <a:r>
-              <a:rPr kumimoji="0" lang="de-DE" altLang="de-DE" sz="2000" b="0" i="0" u="none" strike="noStrike" cap="none" normalizeH="0" baseline="0" dirty="0" err="1" smtClean="0">
+              <a:rPr kumimoji="0" lang="de-DE" altLang="de-DE" sz="2000" b="0" i="0" u="none" strike="noStrike" cap="none" normalizeH="0" baseline="0" dirty="0" err="1">
                 <a:ln>
                   <a:noFill/>
                 </a:ln>
@@ -5565,7 +5494,7 @@
               <a:t>organization</a:t>
             </a:r>
             <a:r>
-              <a:rPr kumimoji="0" lang="de-DE" altLang="de-DE" sz="2000" b="0" i="0" u="none" strike="noStrike" cap="none" normalizeH="0" baseline="0" dirty="0" smtClean="0">
+              <a:rPr kumimoji="0" lang="de-DE" altLang="de-DE" sz="2000" b="0" i="0" u="none" strike="noStrike" cap="none" normalizeH="0" baseline="0" dirty="0">
                 <a:ln>
                   <a:noFill/>
                 </a:ln>
@@ -5578,7 +5507,7 @@
               <a:t> </a:t>
             </a:r>
             <a:r>
-              <a:rPr kumimoji="0" lang="de-DE" altLang="de-DE" sz="2000" b="0" i="0" u="none" strike="noStrike" cap="none" normalizeH="0" baseline="0" dirty="0" smtClean="0">
+              <a:rPr kumimoji="0" lang="de-DE" altLang="de-DE" sz="2000" b="0" i="0" u="none" strike="noStrike" cap="none" normalizeH="0" baseline="0" dirty="0">
                 <a:ln>
                   <a:noFill/>
                 </a:ln>
@@ -5591,7 +5520,7 @@
               <a:t>= </a:t>
             </a:r>
             <a:r>
-              <a:rPr kumimoji="0" lang="de-DE" altLang="de-DE" sz="2000" b="0" i="0" u="none" strike="noStrike" cap="none" normalizeH="0" baseline="0" dirty="0" smtClean="0">
+              <a:rPr kumimoji="0" lang="de-DE" altLang="de-DE" sz="2000" b="0" i="0" u="none" strike="noStrike" cap="none" normalizeH="0" baseline="0" dirty="0">
                 <a:ln>
                   <a:noFill/>
                 </a:ln>
@@ -5604,7 +5533,7 @@
               <a:t>"</a:t>
             </a:r>
             <a:r>
-              <a:rPr kumimoji="0" lang="de-DE" altLang="de-DE" sz="2000" b="0" i="0" u="none" strike="noStrike" cap="none" normalizeH="0" baseline="0" dirty="0" err="1" smtClean="0">
+              <a:rPr kumimoji="0" lang="de-DE" altLang="de-DE" sz="2000" b="0" i="0" u="none" strike="noStrike" cap="none" normalizeH="0" baseline="0" dirty="0" err="1">
                 <a:ln>
                   <a:noFill/>
                 </a:ln>
@@ -5617,7 +5546,7 @@
               <a:t>company</a:t>
             </a:r>
             <a:r>
-              <a:rPr kumimoji="0" lang="de-DE" altLang="de-DE" sz="2000" b="0" i="0" u="none" strike="noStrike" cap="none" normalizeH="0" baseline="0" dirty="0" smtClean="0">
+              <a:rPr kumimoji="0" lang="de-DE" altLang="de-DE" sz="2000" b="0" i="0" u="none" strike="noStrike" cap="none" normalizeH="0" baseline="0" dirty="0">
                 <a:ln>
                   <a:noFill/>
                 </a:ln>
@@ -5630,7 +5559,7 @@
               <a:t>"</a:t>
             </a:r>
             <a:br>
-              <a:rPr kumimoji="0" lang="de-DE" altLang="de-DE" sz="2000" b="0" i="0" u="none" strike="noStrike" cap="none" normalizeH="0" baseline="0" dirty="0" smtClean="0">
+              <a:rPr kumimoji="0" lang="de-DE" altLang="de-DE" sz="2000" b="0" i="0" u="none" strike="noStrike" cap="none" normalizeH="0" baseline="0" dirty="0">
                 <a:ln>
                   <a:noFill/>
                 </a:ln>
@@ -5641,21 +5570,8 @@
                 <a:latin typeface="JetBrains Mono"/>
               </a:rPr>
             </a:br>
-            <a:r>
-              <a:rPr kumimoji="0" lang="de-DE" altLang="de-DE" sz="2000" b="0" i="0" u="none" strike="noStrike" cap="none" normalizeH="0" baseline="0" dirty="0" smtClean="0">
-                <a:ln>
-                  <a:noFill/>
-                </a:ln>
-                <a:solidFill>
-                  <a:srgbClr val="89CA78"/>
-                </a:solidFill>
-                <a:effectLst/>
-                <a:latin typeface="JetBrains Mono"/>
-              </a:rPr>
-              <a:t/>
-            </a:r>
             <a:br>
-              <a:rPr kumimoji="0" lang="de-DE" altLang="de-DE" sz="2000" b="0" i="0" u="none" strike="noStrike" cap="none" normalizeH="0" baseline="0" dirty="0" smtClean="0">
+              <a:rPr kumimoji="0" lang="de-DE" altLang="de-DE" sz="2000" b="0" i="0" u="none" strike="noStrike" cap="none" normalizeH="0" baseline="0" dirty="0">
                 <a:ln>
                   <a:noFill/>
                 </a:ln>
@@ -5667,7 +5583,7 @@
               </a:rPr>
             </a:br>
             <a:r>
-              <a:rPr kumimoji="0" lang="de-DE" altLang="de-DE" sz="2000" b="0" i="0" u="none" strike="noStrike" cap="none" normalizeH="0" baseline="0" dirty="0" smtClean="0">
+              <a:rPr kumimoji="0" lang="de-DE" altLang="de-DE" sz="2000" b="0" i="0" u="none" strike="noStrike" cap="none" normalizeH="0" baseline="0" dirty="0">
                 <a:ln>
                   <a:noFill/>
                 </a:ln>
@@ -5680,7 +5596,7 @@
               <a:t>    </a:t>
             </a:r>
             <a:r>
-              <a:rPr kumimoji="0" lang="de-DE" altLang="de-DE" sz="2000" b="0" i="1" u="none" strike="noStrike" cap="none" normalizeH="0" baseline="0" dirty="0" err="1" smtClean="0">
+              <a:rPr kumimoji="0" lang="de-DE" altLang="de-DE" sz="2000" b="0" i="1" u="none" strike="noStrike" cap="none" normalizeH="0" baseline="0" dirty="0" err="1">
                 <a:ln>
                   <a:noFill/>
                 </a:ln>
@@ -5693,7 +5609,7 @@
               <a:t>workspaces</a:t>
             </a:r>
             <a:r>
-              <a:rPr kumimoji="0" lang="de-DE" altLang="de-DE" sz="2000" b="0" i="1" u="none" strike="noStrike" cap="none" normalizeH="0" baseline="0" dirty="0" smtClean="0">
+              <a:rPr kumimoji="0" lang="de-DE" altLang="de-DE" sz="2000" b="0" i="1" u="none" strike="noStrike" cap="none" normalizeH="0" baseline="0" dirty="0">
                 <a:ln>
                   <a:noFill/>
                 </a:ln>
@@ -5706,7 +5622,7 @@
               <a:t> </a:t>
             </a:r>
             <a:r>
-              <a:rPr kumimoji="0" lang="de-DE" altLang="de-DE" sz="2000" b="0" i="0" u="none" strike="noStrike" cap="none" normalizeH="0" baseline="0" dirty="0" smtClean="0">
+              <a:rPr kumimoji="0" lang="de-DE" altLang="de-DE" sz="2000" b="0" i="0" u="none" strike="noStrike" cap="none" normalizeH="0" baseline="0" dirty="0">
                 <a:ln>
                   <a:noFill/>
                 </a:ln>
@@ -5719,7 +5635,7 @@
               <a:t>{</a:t>
             </a:r>
             <a:br>
-              <a:rPr kumimoji="0" lang="de-DE" altLang="de-DE" sz="2000" b="0" i="0" u="none" strike="noStrike" cap="none" normalizeH="0" baseline="0" dirty="0" smtClean="0">
+              <a:rPr kumimoji="0" lang="de-DE" altLang="de-DE" sz="2000" b="0" i="0" u="none" strike="noStrike" cap="none" normalizeH="0" baseline="0" dirty="0">
                 <a:ln>
                   <a:noFill/>
                 </a:ln>
@@ -5731,7 +5647,7 @@
               </a:rPr>
             </a:br>
             <a:r>
-              <a:rPr kumimoji="0" lang="de-DE" altLang="de-DE" sz="2000" b="0" i="0" u="none" strike="noStrike" cap="none" normalizeH="0" baseline="0" dirty="0" smtClean="0">
+              <a:rPr kumimoji="0" lang="de-DE" altLang="de-DE" sz="2000" b="0" i="0" u="none" strike="noStrike" cap="none" normalizeH="0" baseline="0" dirty="0">
                 <a:ln>
                   <a:noFill/>
                 </a:ln>
@@ -5744,7 +5660,7 @@
               <a:t>      </a:t>
             </a:r>
             <a:r>
-              <a:rPr kumimoji="0" lang="de-DE" altLang="de-DE" sz="2000" b="0" i="0" u="none" strike="noStrike" cap="none" normalizeH="0" baseline="0" dirty="0" err="1" smtClean="0">
+              <a:rPr kumimoji="0" lang="de-DE" altLang="de-DE" sz="2000" b="0" i="0" u="none" strike="noStrike" cap="none" normalizeH="0" baseline="0" dirty="0" err="1">
                 <a:ln>
                   <a:noFill/>
                 </a:ln>
@@ -5757,7 +5673,7 @@
               <a:t>name</a:t>
             </a:r>
             <a:r>
-              <a:rPr kumimoji="0" lang="de-DE" altLang="de-DE" sz="2000" b="0" i="0" u="none" strike="noStrike" cap="none" normalizeH="0" baseline="0" dirty="0" smtClean="0">
+              <a:rPr kumimoji="0" lang="de-DE" altLang="de-DE" sz="2000" b="0" i="0" u="none" strike="noStrike" cap="none" normalizeH="0" baseline="0" dirty="0">
                 <a:ln>
                   <a:noFill/>
                 </a:ln>
@@ -5770,7 +5686,7 @@
               <a:t> </a:t>
             </a:r>
             <a:r>
-              <a:rPr kumimoji="0" lang="de-DE" altLang="de-DE" sz="2000" b="0" i="0" u="none" strike="noStrike" cap="none" normalizeH="0" baseline="0" dirty="0" smtClean="0">
+              <a:rPr kumimoji="0" lang="de-DE" altLang="de-DE" sz="2000" b="0" i="0" u="none" strike="noStrike" cap="none" normalizeH="0" baseline="0" dirty="0">
                 <a:ln>
                   <a:noFill/>
                 </a:ln>
@@ -5783,7 +5699,7 @@
               <a:t>= </a:t>
             </a:r>
             <a:r>
-              <a:rPr kumimoji="0" lang="de-DE" altLang="de-DE" sz="2000" b="0" i="0" u="none" strike="noStrike" cap="none" normalizeH="0" baseline="0" dirty="0" smtClean="0">
+              <a:rPr kumimoji="0" lang="de-DE" altLang="de-DE" sz="2000" b="0" i="0" u="none" strike="noStrike" cap="none" normalizeH="0" baseline="0" dirty="0">
                 <a:ln>
                   <a:noFill/>
                 </a:ln>
@@ -5796,7 +5712,7 @@
               <a:t>"</a:t>
             </a:r>
             <a:r>
-              <a:rPr kumimoji="0" lang="de-DE" altLang="de-DE" sz="2000" b="0" i="0" u="none" strike="noStrike" cap="none" normalizeH="0" baseline="0" dirty="0" err="1" smtClean="0">
+              <a:rPr kumimoji="0" lang="de-DE" altLang="de-DE" sz="2000" b="0" i="0" u="none" strike="noStrike" cap="none" normalizeH="0" baseline="0" dirty="0" err="1">
                 <a:ln>
                   <a:noFill/>
                 </a:ln>
@@ -5809,7 +5725,7 @@
               <a:t>my-app-prod</a:t>
             </a:r>
             <a:r>
-              <a:rPr kumimoji="0" lang="de-DE" altLang="de-DE" sz="2000" b="0" i="0" u="none" strike="noStrike" cap="none" normalizeH="0" baseline="0" dirty="0" smtClean="0">
+              <a:rPr kumimoji="0" lang="de-DE" altLang="de-DE" sz="2000" b="0" i="0" u="none" strike="noStrike" cap="none" normalizeH="0" baseline="0" dirty="0">
                 <a:ln>
                   <a:noFill/>
                 </a:ln>
@@ -5822,7 +5738,7 @@
               <a:t>"</a:t>
             </a:r>
             <a:br>
-              <a:rPr kumimoji="0" lang="de-DE" altLang="de-DE" sz="2000" b="0" i="0" u="none" strike="noStrike" cap="none" normalizeH="0" baseline="0" dirty="0" smtClean="0">
+              <a:rPr kumimoji="0" lang="de-DE" altLang="de-DE" sz="2000" b="0" i="0" u="none" strike="noStrike" cap="none" normalizeH="0" baseline="0" dirty="0">
                 <a:ln>
                   <a:noFill/>
                 </a:ln>
@@ -5834,7 +5750,7 @@
               </a:rPr>
             </a:br>
             <a:r>
-              <a:rPr kumimoji="0" lang="de-DE" altLang="de-DE" sz="2000" b="0" i="0" u="none" strike="noStrike" cap="none" normalizeH="0" baseline="0" dirty="0" smtClean="0">
+              <a:rPr kumimoji="0" lang="de-DE" altLang="de-DE" sz="2000" b="0" i="0" u="none" strike="noStrike" cap="none" normalizeH="0" baseline="0" dirty="0">
                 <a:ln>
                   <a:noFill/>
                 </a:ln>
@@ -5847,7 +5763,7 @@
               <a:t>    </a:t>
             </a:r>
             <a:r>
-              <a:rPr kumimoji="0" lang="de-DE" altLang="de-DE" sz="2000" b="0" i="0" u="none" strike="noStrike" cap="none" normalizeH="0" baseline="0" dirty="0" smtClean="0">
+              <a:rPr kumimoji="0" lang="de-DE" altLang="de-DE" sz="2000" b="0" i="0" u="none" strike="noStrike" cap="none" normalizeH="0" baseline="0" dirty="0">
                 <a:ln>
                   <a:noFill/>
                 </a:ln>
@@ -5860,7 +5776,7 @@
               <a:t>}</a:t>
             </a:r>
             <a:br>
-              <a:rPr kumimoji="0" lang="de-DE" altLang="de-DE" sz="2000" b="0" i="0" u="none" strike="noStrike" cap="none" normalizeH="0" baseline="0" dirty="0" smtClean="0">
+              <a:rPr kumimoji="0" lang="de-DE" altLang="de-DE" sz="2000" b="0" i="0" u="none" strike="noStrike" cap="none" normalizeH="0" baseline="0" dirty="0">
                 <a:ln>
                   <a:noFill/>
                 </a:ln>
@@ -5872,7 +5788,7 @@
               </a:rPr>
             </a:br>
             <a:r>
-              <a:rPr kumimoji="0" lang="de-DE" altLang="de-DE" sz="2000" b="0" i="0" u="none" strike="noStrike" cap="none" normalizeH="0" baseline="0" dirty="0" smtClean="0">
+              <a:rPr kumimoji="0" lang="de-DE" altLang="de-DE" sz="2000" b="0" i="0" u="none" strike="noStrike" cap="none" normalizeH="0" baseline="0" dirty="0">
                 <a:ln>
                   <a:noFill/>
                 </a:ln>
@@ -5885,7 +5801,7 @@
               <a:t>  }</a:t>
             </a:r>
             <a:br>
-              <a:rPr kumimoji="0" lang="de-DE" altLang="de-DE" sz="2000" b="0" i="0" u="none" strike="noStrike" cap="none" normalizeH="0" baseline="0" dirty="0" smtClean="0">
+              <a:rPr kumimoji="0" lang="de-DE" altLang="de-DE" sz="2000" b="0" i="0" u="none" strike="noStrike" cap="none" normalizeH="0" baseline="0" dirty="0">
                 <a:ln>
                   <a:noFill/>
                 </a:ln>
@@ -5897,7 +5813,7 @@
               </a:rPr>
             </a:br>
             <a:r>
-              <a:rPr kumimoji="0" lang="de-DE" altLang="de-DE" sz="2000" b="0" i="0" u="none" strike="noStrike" cap="none" normalizeH="0" baseline="0" dirty="0" smtClean="0">
+              <a:rPr kumimoji="0" lang="de-DE" altLang="de-DE" sz="2000" b="0" i="0" u="none" strike="noStrike" cap="none" normalizeH="0" baseline="0" dirty="0">
                 <a:ln>
                   <a:noFill/>
                 </a:ln>
@@ -5909,7 +5825,7 @@
               </a:rPr>
               <a:t>}</a:t>
             </a:r>
-            <a:endParaRPr kumimoji="0" lang="de-DE" altLang="de-DE" sz="4400" b="0" i="0" u="none" strike="noStrike" cap="none" normalizeH="0" baseline="0" dirty="0" smtClean="0">
+            <a:endParaRPr kumimoji="0" lang="de-DE" altLang="de-DE" sz="4400" b="0" i="0" u="none" strike="noStrike" cap="none" normalizeH="0" baseline="0" dirty="0">
               <a:ln>
                 <a:noFill/>
               </a:ln>
@@ -5932,13 +5848,6 @@
   <p:clrMapOvr>
     <a:masterClrMapping/>
   </p:clrMapOvr>
-  <p:timing>
-    <p:tnLst>
-      <p:par>
-        <p:cTn id="1" dur="indefinite" restart="never" nodeType="tmRoot"/>
-      </p:par>
-    </p:tnLst>
-  </p:timing>
 </p:sld>
 </file>
 
@@ -5975,10 +5884,9 @@
           <a:lstStyle/>
           <a:p>
             <a:r>
-              <a:rPr lang="de-DE" dirty="0" smtClean="0"/>
+              <a:rPr lang="de-DE" dirty="0"/>
               <a:t>Remote Backend</a:t>
             </a:r>
-            <a:endParaRPr lang="de-DE" dirty="0"/>
           </a:p>
         </p:txBody>
       </p:sp>
@@ -6003,66 +5911,66 @@
           <a:lstStyle/>
           <a:p>
             <a:r>
-              <a:rPr lang="de-DE" dirty="0" smtClean="0"/>
+              <a:rPr lang="de-DE" dirty="0"/>
               <a:t>Von </a:t>
             </a:r>
             <a:r>
-              <a:rPr lang="de-DE" dirty="0" err="1" smtClean="0"/>
+              <a:rPr lang="de-DE" dirty="0" err="1"/>
               <a:t>HashiCorp</a:t>
             </a:r>
             <a:r>
-              <a:rPr lang="de-DE" dirty="0" smtClean="0"/>
+              <a:rPr lang="de-DE" dirty="0"/>
               <a:t> empfohlenes Backend </a:t>
             </a:r>
           </a:p>
           <a:p>
             <a:r>
-              <a:rPr lang="de-DE" dirty="0" smtClean="0"/>
+              <a:rPr lang="de-DE" dirty="0"/>
               <a:t>Kann mit Terraform Cloud oder Terraform Enterprise betrieben werden</a:t>
             </a:r>
           </a:p>
           <a:p>
             <a:r>
-              <a:rPr lang="de-DE" dirty="0" smtClean="0"/>
+              <a:rPr lang="de-DE" dirty="0"/>
               <a:t>Speichert den State und führt Terraform-Operation in der Terraform-Cloud aus</a:t>
             </a:r>
           </a:p>
           <a:p>
             <a:r>
-              <a:rPr lang="de-DE" dirty="0" smtClean="0"/>
+              <a:rPr lang="de-DE" dirty="0"/>
               <a:t>Terraform Cloud verschlüsselt den State „at </a:t>
             </a:r>
             <a:r>
-              <a:rPr lang="de-DE" dirty="0" err="1" smtClean="0"/>
+              <a:rPr lang="de-DE" dirty="0" err="1"/>
               <a:t>rest</a:t>
             </a:r>
             <a:r>
-              <a:rPr lang="de-DE" dirty="0" smtClean="0"/>
+              <a:rPr lang="de-DE" dirty="0"/>
               <a:t>“ und verwendet TLS zur Übertragung</a:t>
             </a:r>
           </a:p>
           <a:p>
             <a:r>
-              <a:rPr lang="de-DE" dirty="0" smtClean="0"/>
+              <a:rPr lang="de-DE" dirty="0"/>
               <a:t>Unterstützt </a:t>
             </a:r>
             <a:r>
-              <a:rPr lang="de-DE" dirty="0" err="1" smtClean="0"/>
+              <a:rPr lang="de-DE" dirty="0" err="1"/>
               <a:t>Locking</a:t>
             </a:r>
-            <a:endParaRPr lang="de-DE" dirty="0" smtClean="0"/>
-          </a:p>
-          <a:p>
-            <a:r>
-              <a:rPr lang="de-DE" dirty="0" smtClean="0"/>
+            <a:endParaRPr lang="de-DE" dirty="0"/>
+          </a:p>
+          <a:p>
+            <a:r>
+              <a:rPr lang="de-DE" dirty="0"/>
               <a:t>Unterstützt </a:t>
             </a:r>
             <a:r>
-              <a:rPr lang="de-DE" dirty="0" err="1" smtClean="0"/>
+              <a:rPr lang="de-DE" dirty="0" err="1"/>
               <a:t>Workspaces</a:t>
             </a:r>
             <a:r>
-              <a:rPr lang="de-DE" dirty="0" smtClean="0"/>
+              <a:rPr lang="de-DE" dirty="0"/>
               <a:t> (siehe Modul 9)</a:t>
             </a:r>
           </a:p>
@@ -6070,7 +5978,7 @@
             <a:pPr marL="0" indent="0">
               <a:buNone/>
             </a:pPr>
-            <a:endParaRPr lang="de-DE" dirty="0" smtClean="0"/>
+            <a:endParaRPr lang="de-DE" dirty="0"/>
           </a:p>
         </p:txBody>
       </p:sp>
@@ -6114,13 +6022,6 @@
   <p:clrMapOvr>
     <a:masterClrMapping/>
   </p:clrMapOvr>
-  <p:timing>
-    <p:tnLst>
-      <p:par>
-        <p:cTn id="1" dur="indefinite" restart="never" nodeType="tmRoot"/>
-      </p:par>
-    </p:tnLst>
-  </p:timing>
 </p:sld>
 </file>
 
@@ -6157,10 +6058,9 @@
           <a:lstStyle/>
           <a:p>
             <a:r>
-              <a:rPr lang="de-DE" dirty="0" smtClean="0"/>
+              <a:rPr lang="de-DE" dirty="0"/>
               <a:t>S3 Backend</a:t>
             </a:r>
-            <a:endParaRPr lang="de-DE" dirty="0"/>
           </a:p>
         </p:txBody>
       </p:sp>
@@ -6185,70 +6085,70 @@
           <a:lstStyle/>
           <a:p>
             <a:r>
-              <a:rPr lang="de-DE" dirty="0" smtClean="0"/>
+              <a:rPr lang="de-DE" dirty="0"/>
               <a:t>Speichert den State in einem S3-Bucket</a:t>
             </a:r>
           </a:p>
           <a:p>
             <a:pPr lvl="1"/>
             <a:r>
-              <a:rPr lang="de-DE" dirty="0" smtClean="0"/>
+              <a:rPr lang="de-DE" dirty="0"/>
               <a:t>Zur Nachverfolgung sollte die </a:t>
             </a:r>
             <a:r>
-              <a:rPr lang="de-DE" dirty="0" err="1" smtClean="0"/>
+              <a:rPr lang="de-DE" dirty="0" err="1"/>
               <a:t>Versionierung</a:t>
             </a:r>
             <a:r>
-              <a:rPr lang="de-DE" dirty="0" smtClean="0"/>
+              <a:rPr lang="de-DE" dirty="0"/>
               <a:t> des </a:t>
             </a:r>
             <a:r>
-              <a:rPr lang="de-DE" dirty="0" err="1" smtClean="0"/>
+              <a:rPr lang="de-DE" dirty="0" err="1"/>
               <a:t>Bucket</a:t>
             </a:r>
             <a:r>
-              <a:rPr lang="de-DE" dirty="0" smtClean="0"/>
+              <a:rPr lang="de-DE" dirty="0"/>
               <a:t> aktiviert werden</a:t>
             </a:r>
           </a:p>
           <a:p>
             <a:r>
-              <a:rPr lang="de-DE" dirty="0" smtClean="0"/>
+              <a:rPr lang="de-DE" dirty="0"/>
               <a:t>Verschlüsselung „at </a:t>
             </a:r>
             <a:r>
-              <a:rPr lang="de-DE" dirty="0" err="1" smtClean="0"/>
+              <a:rPr lang="de-DE" dirty="0" err="1"/>
               <a:t>rest</a:t>
             </a:r>
             <a:r>
-              <a:rPr lang="de-DE" dirty="0" smtClean="0"/>
+              <a:rPr lang="de-DE" dirty="0"/>
               <a:t>“ optional aktivierbar</a:t>
             </a:r>
           </a:p>
           <a:p>
             <a:r>
-              <a:rPr lang="de-DE" dirty="0" smtClean="0"/>
+              <a:rPr lang="de-DE" dirty="0"/>
               <a:t>Kommunikation verwendet TLS</a:t>
             </a:r>
           </a:p>
           <a:p>
             <a:r>
-              <a:rPr lang="de-DE" dirty="0" smtClean="0"/>
-              <a:t> Optionales State-</a:t>
-            </a:r>
-            <a:r>
-              <a:rPr lang="de-DE" dirty="0" err="1" smtClean="0"/>
+              <a:rPr lang="de-DE" dirty="0"/>
+              <a:t>Optionales State-</a:t>
+            </a:r>
+            <a:r>
+              <a:rPr lang="de-DE" dirty="0" err="1"/>
               <a:t>Locking</a:t>
             </a:r>
             <a:r>
-              <a:rPr lang="de-DE" dirty="0" smtClean="0"/>
+              <a:rPr lang="de-DE" dirty="0"/>
               <a:t> des via Dynamo DB</a:t>
             </a:r>
           </a:p>
           <a:p>
             <a:r>
-              <a:rPr lang="de-DE" dirty="0" smtClean="0"/>
+              <a:rPr lang="de-DE" dirty="0"/>
               <a:t>Der ausführende User benötigt schreibenden Zugriff auf S3-Bucket und Dynamo DB Tabelle</a:t>
             </a:r>
           </a:p>
@@ -6294,13 +6194,6 @@
   <p:clrMapOvr>
     <a:masterClrMapping/>
   </p:clrMapOvr>
-  <p:timing>
-    <p:tnLst>
-      <p:par>
-        <p:cTn id="1" dur="indefinite" restart="never" nodeType="tmRoot"/>
-      </p:par>
-    </p:tnLst>
-  </p:timing>
 </p:sld>
 </file>
 
@@ -6337,10 +6230,9 @@
           <a:lstStyle/>
           <a:p>
             <a:r>
-              <a:rPr lang="de-DE" dirty="0" smtClean="0"/>
+              <a:rPr lang="de-DE" dirty="0"/>
               <a:t>Import von Ressourcen</a:t>
             </a:r>
-            <a:endParaRPr lang="de-DE" dirty="0"/>
           </a:p>
         </p:txBody>
       </p:sp>
@@ -6360,85 +6252,75 @@
           <a:lstStyle/>
           <a:p>
             <a:r>
-              <a:rPr lang="de-DE" dirty="0" smtClean="0"/>
+              <a:rPr lang="de-DE" dirty="0"/>
               <a:t>State enthält das Mapping von Konfiguration zu realen Infrastrukturkomponenten</a:t>
             </a:r>
           </a:p>
           <a:p>
             <a:r>
-              <a:rPr lang="de-DE" dirty="0" smtClean="0"/>
+              <a:rPr lang="de-DE" dirty="0"/>
               <a:t>Oftmals existiert Legacy-Infrastruktur die nicht über TF erzeugt wurde</a:t>
             </a:r>
           </a:p>
           <a:p>
             <a:r>
-              <a:rPr lang="de-DE" dirty="0" smtClean="0"/>
+              <a:rPr lang="de-DE" dirty="0"/>
               <a:t>Bestehende Ressourcen können in den State via </a:t>
             </a:r>
             <a:r>
-              <a:rPr lang="de-DE" i="1" dirty="0" err="1" smtClean="0"/>
+              <a:rPr lang="de-DE" i="1" dirty="0" err="1"/>
               <a:t>terraform</a:t>
             </a:r>
             <a:r>
-              <a:rPr lang="de-DE" i="1" dirty="0" smtClean="0"/>
+              <a:rPr lang="de-DE" i="1" dirty="0"/>
               <a:t> </a:t>
             </a:r>
             <a:r>
-              <a:rPr lang="de-DE" i="1" dirty="0" err="1" smtClean="0"/>
+              <a:rPr lang="de-DE" i="1" dirty="0" err="1"/>
               <a:t>import</a:t>
             </a:r>
             <a:r>
-              <a:rPr lang="de-DE" dirty="0" smtClean="0"/>
+              <a:rPr lang="de-DE" dirty="0"/>
               <a:t> importiert werden</a:t>
             </a:r>
           </a:p>
           <a:p>
             <a:pPr lvl="1"/>
             <a:r>
-              <a:rPr lang="de-DE" dirty="0" smtClean="0"/>
+              <a:rPr lang="de-DE" dirty="0"/>
               <a:t>Konfiguration wird bisher nicht generiert (</a:t>
             </a:r>
             <a:r>
-              <a:rPr lang="de-DE" dirty="0" smtClean="0">
+              <a:rPr lang="de-DE" dirty="0">
                 <a:hlinkClick r:id="rId3"/>
               </a:rPr>
               <a:t>für zukünftiges Release geplant</a:t>
             </a:r>
             <a:r>
-              <a:rPr lang="de-DE" dirty="0" smtClean="0"/>
+              <a:rPr lang="de-DE" dirty="0"/>
               <a:t>)</a:t>
             </a:r>
           </a:p>
           <a:p>
             <a:pPr lvl="1"/>
             <a:r>
-              <a:rPr lang="de-DE" dirty="0" smtClean="0"/>
+              <a:rPr lang="de-DE" dirty="0"/>
               <a:t>Einige Tools unterstützen Import inkl. Generierung der Konfiguration</a:t>
             </a:r>
           </a:p>
           <a:p>
             <a:pPr lvl="2"/>
             <a:r>
-              <a:rPr lang="de-DE" dirty="0" smtClean="0"/>
-              <a:t>z.B</a:t>
-            </a:r>
-            <a:r>
-              <a:rPr lang="de-DE" dirty="0"/>
-              <a:t>. </a:t>
+              <a:rPr lang="de-DE" dirty="0"/>
+              <a:t>z.B. </a:t>
             </a:r>
             <a:r>
               <a:rPr lang="de-DE" dirty="0">
                 <a:hlinkClick r:id="rId4"/>
               </a:rPr>
-              <a:t>http://terraforming.dtan4.net</a:t>
-            </a:r>
-            <a:r>
-              <a:rPr lang="de-DE" dirty="0" smtClean="0">
-                <a:hlinkClick r:id="rId4"/>
-              </a:rPr>
-              <a:t>/</a:t>
-            </a:r>
-            <a:endParaRPr lang="de-DE" dirty="0" smtClean="0"/>
+              <a:t>http://terraforming.dtan4.net/</a:t>
+            </a:r>
+            <a:endParaRPr lang="de-DE" dirty="0"/>
           </a:p>
           <a:p>
             <a:pPr lvl="2"/>
@@ -6621,10 +6503,9 @@
           <a:lstStyle/>
           <a:p>
             <a:r>
-              <a:rPr lang="de-DE" dirty="0" smtClean="0"/>
+              <a:rPr lang="de-DE" dirty="0"/>
               <a:t>Umbenennen von Ressourcen</a:t>
             </a:r>
-            <a:endParaRPr lang="de-DE" dirty="0"/>
           </a:p>
         </p:txBody>
       </p:sp>
@@ -6644,73 +6525,73 @@
           <a:lstStyle/>
           <a:p>
             <a:r>
-              <a:rPr lang="de-DE" dirty="0" err="1" smtClean="0"/>
+              <a:rPr lang="de-DE" dirty="0" err="1"/>
               <a:t>Refactoring</a:t>
             </a:r>
             <a:r>
-              <a:rPr lang="de-DE" dirty="0" smtClean="0"/>
+              <a:rPr lang="de-DE" dirty="0"/>
               <a:t> von Terraform Code beinhaltet Fallstricke</a:t>
             </a:r>
           </a:p>
           <a:p>
             <a:r>
-              <a:rPr lang="de-DE" dirty="0" smtClean="0"/>
+              <a:rPr lang="de-DE" dirty="0"/>
               <a:t>Ein Umbenennen der Ressource in der Konfiguration führt zum </a:t>
             </a:r>
             <a:r>
-              <a:rPr lang="de-DE" dirty="0" err="1" smtClean="0"/>
+              <a:rPr lang="de-DE" dirty="0" err="1"/>
               <a:t>Destroy</a:t>
             </a:r>
             <a:r>
-              <a:rPr lang="de-DE" dirty="0" smtClean="0"/>
+              <a:rPr lang="de-DE" dirty="0"/>
               <a:t> der alten Ressource und zum Create einer neuen Ressource</a:t>
             </a:r>
           </a:p>
           <a:p>
             <a:pPr lvl="1"/>
             <a:r>
-              <a:rPr lang="de-DE" dirty="0" smtClean="0"/>
+              <a:rPr lang="de-DE" dirty="0"/>
               <a:t>Unerwünschter Nebeneffekt, der zu </a:t>
             </a:r>
             <a:r>
-              <a:rPr lang="de-DE" dirty="0" err="1" smtClean="0"/>
+              <a:rPr lang="de-DE" dirty="0" err="1"/>
               <a:t>Downtimes</a:t>
             </a:r>
             <a:r>
-              <a:rPr lang="de-DE" dirty="0" smtClean="0"/>
+              <a:rPr lang="de-DE" dirty="0"/>
               <a:t> führen kann</a:t>
             </a:r>
           </a:p>
           <a:p>
             <a:r>
-              <a:rPr lang="de-DE" dirty="0" smtClean="0"/>
+              <a:rPr lang="de-DE" dirty="0"/>
               <a:t>Mit </a:t>
             </a:r>
             <a:r>
-              <a:rPr lang="de-DE" i="1" dirty="0" err="1" smtClean="0"/>
+              <a:rPr lang="de-DE" i="1" dirty="0" err="1"/>
               <a:t>terraform</a:t>
             </a:r>
             <a:r>
-              <a:rPr lang="de-DE" i="1" dirty="0" smtClean="0"/>
+              <a:rPr lang="de-DE" i="1" dirty="0"/>
               <a:t> </a:t>
             </a:r>
             <a:r>
-              <a:rPr lang="de-DE" i="1" dirty="0" err="1" smtClean="0"/>
+              <a:rPr lang="de-DE" i="1" dirty="0" err="1"/>
               <a:t>state</a:t>
             </a:r>
             <a:r>
-              <a:rPr lang="de-DE" i="1" dirty="0" smtClean="0"/>
+              <a:rPr lang="de-DE" i="1" dirty="0"/>
               <a:t> mv </a:t>
             </a:r>
             <a:r>
-              <a:rPr lang="de-DE" dirty="0" smtClean="0"/>
+              <a:rPr lang="de-DE" dirty="0"/>
               <a:t>kann eine bestehende Ressource umbenannt werden</a:t>
             </a:r>
           </a:p>
           <a:p>
             <a:pPr lvl="1"/>
             <a:r>
-              <a:rPr lang="de-DE" dirty="0" smtClean="0"/>
+              <a:rPr lang="de-DE" dirty="0"/>
               <a:t>Die Anpassung der Konfiguration muss manuell vorgenommen werden</a:t>
             </a:r>
           </a:p>
@@ -6769,7 +6650,7 @@
               <a:tabLst/>
             </a:pPr>
             <a:r>
-              <a:rPr lang="de-DE" altLang="de-DE" sz="2800" dirty="0" smtClean="0">
+              <a:rPr lang="de-DE" altLang="de-DE" sz="2800" dirty="0">
                 <a:solidFill>
                   <a:schemeClr val="bg1">
                     <a:lumMod val="75000"/>
@@ -6780,7 +6661,7 @@
               <a:t>&gt; </a:t>
             </a:r>
             <a:r>
-              <a:rPr lang="de-DE" altLang="de-DE" sz="2800" dirty="0" err="1" smtClean="0">
+              <a:rPr lang="de-DE" altLang="de-DE" sz="2800" dirty="0" err="1">
                 <a:solidFill>
                   <a:schemeClr val="bg1">
                     <a:lumMod val="75000"/>
@@ -6791,7 +6672,7 @@
               <a:t>terraform</a:t>
             </a:r>
             <a:r>
-              <a:rPr lang="de-DE" altLang="de-DE" sz="2800" dirty="0" smtClean="0">
+              <a:rPr lang="de-DE" altLang="de-DE" sz="2800" dirty="0">
                 <a:solidFill>
                   <a:schemeClr val="bg1">
                     <a:lumMod val="75000"/>
@@ -6802,7 +6683,7 @@
               <a:t> </a:t>
             </a:r>
             <a:r>
-              <a:rPr lang="de-DE" altLang="de-DE" sz="2800" dirty="0" err="1" smtClean="0">
+              <a:rPr lang="de-DE" altLang="de-DE" sz="2800" dirty="0" err="1">
                 <a:solidFill>
                   <a:schemeClr val="bg1">
                     <a:lumMod val="75000"/>
@@ -6813,7 +6694,7 @@
               <a:t>state</a:t>
             </a:r>
             <a:r>
-              <a:rPr lang="de-DE" altLang="de-DE" sz="2800" dirty="0" smtClean="0">
+              <a:rPr lang="de-DE" altLang="de-DE" sz="2800" dirty="0">
                 <a:solidFill>
                   <a:schemeClr val="bg1">
                     <a:lumMod val="75000"/>
@@ -6824,7 +6705,7 @@
               <a:t> mv </a:t>
             </a:r>
             <a:r>
-              <a:rPr lang="de-DE" altLang="de-DE" sz="2800" dirty="0" err="1" smtClean="0">
+              <a:rPr lang="de-DE" altLang="de-DE" sz="2800" dirty="0" err="1">
                 <a:solidFill>
                   <a:schemeClr val="bg1">
                     <a:lumMod val="75000"/>
@@ -6835,7 +6716,7 @@
               <a:t>aws_instance.foo</a:t>
             </a:r>
             <a:r>
-              <a:rPr lang="de-DE" altLang="de-DE" sz="2800" dirty="0" smtClean="0">
+              <a:rPr lang="de-DE" altLang="de-DE" sz="2800" dirty="0">
                 <a:solidFill>
                   <a:schemeClr val="bg1">
                     <a:lumMod val="75000"/>
@@ -6846,7 +6727,7 @@
               <a:t> </a:t>
             </a:r>
             <a:r>
-              <a:rPr lang="de-DE" altLang="de-DE" sz="2800" dirty="0" err="1" smtClean="0">
+              <a:rPr lang="de-DE" altLang="de-DE" sz="2800" dirty="0" err="1">
                 <a:solidFill>
                   <a:schemeClr val="bg1">
                     <a:lumMod val="75000"/>
@@ -6913,10 +6794,9 @@
           <a:lstStyle/>
           <a:p>
             <a:r>
-              <a:rPr lang="de-DE" dirty="0" smtClean="0"/>
+              <a:rPr lang="de-DE" dirty="0"/>
               <a:t>Ressourcen aus dem State entfernen</a:t>
             </a:r>
-            <a:endParaRPr lang="de-DE" dirty="0"/>
           </a:p>
         </p:txBody>
       </p:sp>
@@ -6936,56 +6816,55 @@
           <a:lstStyle/>
           <a:p>
             <a:r>
-              <a:rPr lang="de-DE" dirty="0" smtClean="0"/>
-              <a:t>Wird eine Ressource aus der Konfiguration entfernt, wird Terraform beim nächsten </a:t>
-            </a:r>
-            <a:r>
-              <a:rPr lang="de-DE" i="1" dirty="0" err="1" smtClean="0"/>
+              <a:rPr lang="de-DE" dirty="0"/>
+              <a:t>Wird eine Ressource aus dem Code entfernt, wird Terraform beim nächsten </a:t>
+            </a:r>
+            <a:r>
+              <a:rPr lang="de-DE" i="1" dirty="0" err="1"/>
               <a:t>terraform</a:t>
             </a:r>
             <a:r>
-              <a:rPr lang="de-DE" i="1" dirty="0" smtClean="0"/>
+              <a:rPr lang="de-DE" i="1" dirty="0"/>
               <a:t> </a:t>
             </a:r>
             <a:r>
-              <a:rPr lang="de-DE" i="1" dirty="0" err="1" smtClean="0"/>
+              <a:rPr lang="de-DE" i="1" dirty="0" err="1"/>
               <a:t>apply</a:t>
             </a:r>
             <a:r>
-              <a:rPr lang="de-DE" dirty="0" smtClean="0"/>
+              <a:rPr lang="de-DE" dirty="0"/>
               <a:t> die zugehörige Infrastrukturkomponente zerstören</a:t>
             </a:r>
           </a:p>
           <a:p>
             <a:r>
-              <a:rPr lang="de-DE" dirty="0" smtClean="0"/>
+              <a:rPr lang="de-DE" dirty="0"/>
               <a:t>Um die Komponente nicht mehr per Terraform zu managen, kann diese via </a:t>
             </a:r>
             <a:r>
-              <a:rPr lang="de-DE" i="1" dirty="0" err="1" smtClean="0"/>
+              <a:rPr lang="de-DE" i="1" dirty="0" err="1"/>
               <a:t>terraform</a:t>
             </a:r>
             <a:r>
-              <a:rPr lang="de-DE" i="1" dirty="0" smtClean="0"/>
+              <a:rPr lang="de-DE" i="1" dirty="0"/>
               <a:t> </a:t>
             </a:r>
             <a:r>
-              <a:rPr lang="de-DE" i="1" dirty="0" err="1" smtClean="0"/>
+              <a:rPr lang="de-DE" i="1" dirty="0" err="1"/>
               <a:t>state</a:t>
             </a:r>
             <a:r>
-              <a:rPr lang="de-DE" i="1" dirty="0" smtClean="0"/>
+              <a:rPr lang="de-DE" i="1" dirty="0"/>
               <a:t> </a:t>
             </a:r>
             <a:r>
-              <a:rPr lang="de-DE" i="1" dirty="0" err="1" smtClean="0"/>
+              <a:rPr lang="de-DE" i="1" dirty="0" err="1"/>
               <a:t>rm</a:t>
             </a:r>
             <a:r>
-              <a:rPr lang="de-DE" dirty="0" smtClean="0"/>
+              <a:rPr lang="de-DE" dirty="0"/>
               <a:t> aus dem State entfernt werden</a:t>
             </a:r>
-            <a:endParaRPr lang="de-DE" dirty="0"/>
           </a:p>
         </p:txBody>
       </p:sp>
@@ -7039,7 +6918,7 @@
               <a:tabLst/>
             </a:pPr>
             <a:r>
-              <a:rPr lang="de-DE" altLang="de-DE" sz="2800" dirty="0" smtClean="0">
+              <a:rPr lang="de-DE" altLang="de-DE" sz="2800" dirty="0">
                 <a:solidFill>
                   <a:schemeClr val="bg1">
                     <a:lumMod val="75000"/>
@@ -7050,7 +6929,7 @@
               <a:t>&gt; </a:t>
             </a:r>
             <a:r>
-              <a:rPr lang="de-DE" altLang="de-DE" sz="2800" dirty="0" err="1" smtClean="0">
+              <a:rPr lang="de-DE" altLang="de-DE" sz="2800" dirty="0" err="1">
                 <a:solidFill>
                   <a:schemeClr val="bg1">
                     <a:lumMod val="75000"/>
@@ -7061,7 +6940,7 @@
               <a:t>terraform</a:t>
             </a:r>
             <a:r>
-              <a:rPr lang="de-DE" altLang="de-DE" sz="2800" dirty="0" smtClean="0">
+              <a:rPr lang="de-DE" altLang="de-DE" sz="2800" dirty="0">
                 <a:solidFill>
                   <a:schemeClr val="bg1">
                     <a:lumMod val="75000"/>
@@ -7072,7 +6951,7 @@
               <a:t> </a:t>
             </a:r>
             <a:r>
-              <a:rPr lang="de-DE" altLang="de-DE" sz="2800" dirty="0" err="1" smtClean="0">
+              <a:rPr lang="de-DE" altLang="de-DE" sz="2800" dirty="0" err="1">
                 <a:solidFill>
                   <a:schemeClr val="bg1">
                     <a:lumMod val="75000"/>
@@ -7083,7 +6962,7 @@
               <a:t>state</a:t>
             </a:r>
             <a:r>
-              <a:rPr lang="de-DE" altLang="de-DE" sz="2800" dirty="0" smtClean="0">
+              <a:rPr lang="de-DE" altLang="de-DE" sz="2800" dirty="0">
                 <a:solidFill>
                   <a:schemeClr val="bg1">
                     <a:lumMod val="75000"/>
@@ -7094,7 +6973,7 @@
               <a:t> </a:t>
             </a:r>
             <a:r>
-              <a:rPr lang="de-DE" altLang="de-DE" sz="2800" dirty="0" err="1" smtClean="0">
+              <a:rPr lang="de-DE" altLang="de-DE" sz="2800" dirty="0" err="1">
                 <a:solidFill>
                   <a:schemeClr val="bg1">
                     <a:lumMod val="75000"/>
@@ -7105,7 +6984,7 @@
               <a:t>rm</a:t>
             </a:r>
             <a:r>
-              <a:rPr lang="de-DE" altLang="de-DE" sz="2800" dirty="0" smtClean="0">
+              <a:rPr lang="de-DE" altLang="de-DE" sz="2800" dirty="0">
                 <a:solidFill>
                   <a:schemeClr val="bg1">
                     <a:lumMod val="75000"/>
@@ -7116,7 +6995,7 @@
               <a:t> '</a:t>
             </a:r>
             <a:r>
-              <a:rPr lang="de-DE" altLang="de-DE" sz="2800" dirty="0" err="1" smtClean="0">
+              <a:rPr lang="de-DE" altLang="de-DE" sz="2800" dirty="0" err="1">
                 <a:solidFill>
                   <a:schemeClr val="bg1">
                     <a:lumMod val="75000"/>
@@ -7127,7 +7006,7 @@
               <a:t>aws_instance.bar</a:t>
             </a:r>
             <a:r>
-              <a:rPr lang="de-DE" altLang="de-DE" sz="2800" dirty="0" smtClean="0">
+              <a:rPr lang="de-DE" altLang="de-DE" sz="2800" dirty="0">
                 <a:solidFill>
                   <a:schemeClr val="bg1">
                     <a:lumMod val="75000"/>
@@ -7137,14 +7016,6 @@
               </a:rPr>
               <a:t>'</a:t>
             </a:r>
-            <a:endParaRPr lang="de-DE" altLang="de-DE" sz="2800" dirty="0">
-              <a:solidFill>
-                <a:schemeClr val="bg1">
-                  <a:lumMod val="75000"/>
-                </a:schemeClr>
-              </a:solidFill>
-              <a:latin typeface="Consolas" panose="020B0609020204030204" pitchFamily="49" charset="0"/>
-            </a:endParaRPr>
           </a:p>
         </p:txBody>
       </p:sp>

--- a/Modul_07_TF_Backends/Backends.pptx
+++ b/Modul_07_TF_Backends/Backends.pptx
@@ -206,7 +206,7 @@
           <a:p>
             <a:fld id="{E9DAB8B5-B9A3-426D-91D9-D7966B0F2B79}" type="datetimeFigureOut">
               <a:rPr lang="de-DE" smtClean="0"/>
-              <a:t>18.11.21</a:t>
+              <a:t>08.03.2022</a:t>
             </a:fld>
             <a:endParaRPr lang="de-DE"/>
           </a:p>
@@ -1544,7 +1544,7 @@
           <a:p>
             <a:fld id="{6CBA03CC-73C5-46A8-8DFB-B5DC4577D8E2}" type="datetimeFigureOut">
               <a:rPr lang="de-DE" smtClean="0"/>
-              <a:t>18.11.21</a:t>
+              <a:t>08.03.2022</a:t>
             </a:fld>
             <a:endParaRPr lang="de-DE"/>
           </a:p>
@@ -1712,7 +1712,7 @@
           <a:p>
             <a:fld id="{6CBA03CC-73C5-46A8-8DFB-B5DC4577D8E2}" type="datetimeFigureOut">
               <a:rPr lang="de-DE" smtClean="0"/>
-              <a:t>18.11.21</a:t>
+              <a:t>08.03.2022</a:t>
             </a:fld>
             <a:endParaRPr lang="de-DE"/>
           </a:p>
@@ -1890,7 +1890,7 @@
           <a:p>
             <a:fld id="{6CBA03CC-73C5-46A8-8DFB-B5DC4577D8E2}" type="datetimeFigureOut">
               <a:rPr lang="de-DE" smtClean="0"/>
-              <a:t>18.11.21</a:t>
+              <a:t>08.03.2022</a:t>
             </a:fld>
             <a:endParaRPr lang="de-DE"/>
           </a:p>
@@ -2058,7 +2058,7 @@
           <a:p>
             <a:fld id="{6CBA03CC-73C5-46A8-8DFB-B5DC4577D8E2}" type="datetimeFigureOut">
               <a:rPr lang="de-DE" smtClean="0"/>
-              <a:t>18.11.21</a:t>
+              <a:t>08.03.2022</a:t>
             </a:fld>
             <a:endParaRPr lang="de-DE"/>
           </a:p>
@@ -2303,7 +2303,7 @@
           <a:p>
             <a:fld id="{6CBA03CC-73C5-46A8-8DFB-B5DC4577D8E2}" type="datetimeFigureOut">
               <a:rPr lang="de-DE" smtClean="0"/>
-              <a:t>18.11.21</a:t>
+              <a:t>08.03.2022</a:t>
             </a:fld>
             <a:endParaRPr lang="de-DE"/>
           </a:p>
@@ -2532,7 +2532,7 @@
           <a:p>
             <a:fld id="{6CBA03CC-73C5-46A8-8DFB-B5DC4577D8E2}" type="datetimeFigureOut">
               <a:rPr lang="de-DE" smtClean="0"/>
-              <a:t>18.11.21</a:t>
+              <a:t>08.03.2022</a:t>
             </a:fld>
             <a:endParaRPr lang="de-DE"/>
           </a:p>
@@ -2896,7 +2896,7 @@
           <a:p>
             <a:fld id="{6CBA03CC-73C5-46A8-8DFB-B5DC4577D8E2}" type="datetimeFigureOut">
               <a:rPr lang="de-DE" smtClean="0"/>
-              <a:t>18.11.21</a:t>
+              <a:t>08.03.2022</a:t>
             </a:fld>
             <a:endParaRPr lang="de-DE"/>
           </a:p>
@@ -3013,7 +3013,7 @@
           <a:p>
             <a:fld id="{6CBA03CC-73C5-46A8-8DFB-B5DC4577D8E2}" type="datetimeFigureOut">
               <a:rPr lang="de-DE" smtClean="0"/>
-              <a:t>18.11.21</a:t>
+              <a:t>08.03.2022</a:t>
             </a:fld>
             <a:endParaRPr lang="de-DE"/>
           </a:p>
@@ -3108,7 +3108,7 @@
           <a:p>
             <a:fld id="{6CBA03CC-73C5-46A8-8DFB-B5DC4577D8E2}" type="datetimeFigureOut">
               <a:rPr lang="de-DE" smtClean="0"/>
-              <a:t>18.11.21</a:t>
+              <a:t>08.03.2022</a:t>
             </a:fld>
             <a:endParaRPr lang="de-DE"/>
           </a:p>
@@ -3383,7 +3383,7 @@
           <a:p>
             <a:fld id="{6CBA03CC-73C5-46A8-8DFB-B5DC4577D8E2}" type="datetimeFigureOut">
               <a:rPr lang="de-DE" smtClean="0"/>
-              <a:t>18.11.21</a:t>
+              <a:t>08.03.2022</a:t>
             </a:fld>
             <a:endParaRPr lang="de-DE"/>
           </a:p>
@@ -3635,7 +3635,7 @@
           <a:p>
             <a:fld id="{6CBA03CC-73C5-46A8-8DFB-B5DC4577D8E2}" type="datetimeFigureOut">
               <a:rPr lang="de-DE" smtClean="0"/>
-              <a:t>18.11.21</a:t>
+              <a:t>08.03.2022</a:t>
             </a:fld>
             <a:endParaRPr lang="de-DE"/>
           </a:p>
@@ -3846,7 +3846,7 @@
           <a:p>
             <a:fld id="{6CBA03CC-73C5-46A8-8DFB-B5DC4577D8E2}" type="datetimeFigureOut">
               <a:rPr lang="de-DE" smtClean="0"/>
-              <a:t>18.11.21</a:t>
+              <a:t>08.03.2022</a:t>
             </a:fld>
             <a:endParaRPr lang="de-DE"/>
           </a:p>
@@ -6143,7 +6143,7 @@
             </a:r>
             <a:r>
               <a:rPr lang="de-DE" dirty="0"/>
-              <a:t> des via Dynamo DB</a:t>
+              <a:t> via Dynamo DB</a:t>
             </a:r>
           </a:p>
           <a:p>
